--- a/Report/Mimic vr.pptx
+++ b/Report/Mimic vr.pptx
@@ -6,7 +6,9 @@
   </p:sldMasterIdLst>
   <p:sldIdLst>
     <p:sldId id="256" r:id="rId2"/>
-    <p:sldId id="257" r:id="rId3"/>
+    <p:sldId id="258" r:id="rId3"/>
+    <p:sldId id="257" r:id="rId4"/>
+    <p:sldId id="259" r:id="rId5"/>
   </p:sldIdLst>
   <p:sldSz cx="12192000" cy="6858000"/>
   <p:notesSz cx="6858000" cy="9144000"/>
@@ -105,7 +107,16 @@
       </a:defRPr>
     </a:lvl9pPr>
   </p:defaultTextStyle>
+  <p:extLst>
+    <p:ext uri="{EFAFB233-063F-42B5-8137-9DF3F51BA10A}">
+      <p15:sldGuideLst xmlns:p15="http://schemas.microsoft.com/office/powerpoint/2012/main"/>
+    </p:ext>
+  </p:extLst>
 </p:presentation>
+</file>
+
+<file path=ppt/revisionInfo.xml><?xml version="1.0" encoding="utf-8"?>
+<p1510:revInfo xmlns:a="http://schemas.openxmlformats.org/drawingml/2006/main" xmlns:r="http://schemas.openxmlformats.org/officeDocument/2006/relationships" xmlns:p1510="http://schemas.microsoft.com/office/powerpoint/2015/10/main"/>
 </file>
 
 <file path=ppt/slideLayouts/slideLayout1.xml><?xml version="1.0" encoding="utf-8"?>
@@ -20540,6 +20551,125 @@
           <a:chExt cx="0" cy="0"/>
         </a:xfrm>
       </p:grpSpPr>
+      <p:sp useBgFill="1">
+        <p:nvSpPr>
+          <p:cNvPr id="20" name="Rectangle 19"/>
+          <p:cNvSpPr>
+            <a:spLocks noGrp="1" noRot="1" noChangeAspect="1" noMove="1" noResize="1" noEditPoints="1" noAdjustHandles="1" noChangeArrowheads="1" noChangeShapeType="1" noTextEdit="1"/>
+          </p:cNvSpPr>
+          <p:nvPr>
+            <p:extLst>
+              <p:ext uri="{386F3935-93C4-4BCD-93E2-E3B085C9AB24}">
+                <p16:designElem xmlns:p16="http://schemas.microsoft.com/office/powerpoint/2015/main" val="1"/>
+              </p:ext>
+            </p:extLst>
+          </p:nvPr>
+        </p:nvSpPr>
+        <p:spPr>
+          <a:xfrm>
+            <a:off x="0" y="0"/>
+            <a:ext cx="12188726" cy="6858975"/>
+          </a:xfrm>
+          <a:prstGeom prst="rect">
+            <a:avLst/>
+          </a:prstGeom>
+          <a:ln>
+            <a:noFill/>
+          </a:ln>
+        </p:spPr>
+        <p:style>
+          <a:lnRef idx="2">
+            <a:schemeClr val="accent1">
+              <a:shade val="50000"/>
+            </a:schemeClr>
+          </a:lnRef>
+          <a:fillRef idx="1">
+            <a:schemeClr val="accent1"/>
+          </a:fillRef>
+          <a:effectRef idx="0">
+            <a:schemeClr val="accent1"/>
+          </a:effectRef>
+          <a:fontRef idx="minor">
+            <a:schemeClr val="lt1"/>
+          </a:fontRef>
+        </p:style>
+        <p:txBody>
+          <a:bodyPr rtlCol="0" anchor="ctr"/>
+          <a:lstStyle/>
+          <a:p>
+            <a:pPr algn="ctr"/>
+            <a:endParaRPr lang="en-US"/>
+          </a:p>
+        </p:txBody>
+      </p:sp>
+      <p:pic>
+        <p:nvPicPr>
+          <p:cNvPr id="5" name="Picture 4"/>
+          <p:cNvPicPr>
+            <a:picLocks noChangeAspect="1"/>
+          </p:cNvPicPr>
+          <p:nvPr/>
+        </p:nvPicPr>
+        <p:blipFill rotWithShape="1">
+          <a:blip r:embed="rId2"/>
+          <a:srcRect/>
+          <a:stretch/>
+        </p:blipFill>
+        <p:spPr>
+          <a:xfrm>
+            <a:off x="4654984" y="1506968"/>
+            <a:ext cx="6896936" cy="3845040"/>
+          </a:xfrm>
+          <a:prstGeom prst="rect">
+            <a:avLst/>
+          </a:prstGeom>
+        </p:spPr>
+      </p:pic>
+      <p:cxnSp>
+        <p:nvCxnSpPr>
+          <p:cNvPr id="22" name="Straight Connector 21"/>
+          <p:cNvCxnSpPr>
+            <a:cxnSpLocks noGrp="1" noRot="1" noChangeAspect="1" noMove="1" noResize="1" noEditPoints="1" noAdjustHandles="1" noChangeArrowheads="1" noChangeShapeType="1"/>
+          </p:cNvCxnSpPr>
+          <p:nvPr>
+            <p:extLst>
+              <p:ext uri="{386F3935-93C4-4BCD-93E2-E3B085C9AB24}">
+                <p16:designElem xmlns:p16="http://schemas.microsoft.com/office/powerpoint/2015/main" val="1"/>
+              </p:ext>
+            </p:extLst>
+          </p:nvPr>
+        </p:nvCxnSpPr>
+        <p:spPr>
+          <a:xfrm>
+            <a:off x="700698" y="3765314"/>
+            <a:ext cx="3200400" cy="0"/>
+          </a:xfrm>
+          <a:prstGeom prst="line">
+            <a:avLst/>
+          </a:prstGeom>
+          <a:ln w="19050">
+            <a:solidFill>
+              <a:schemeClr val="accent1">
+                <a:lumMod val="75000"/>
+              </a:schemeClr>
+            </a:solidFill>
+          </a:ln>
+        </p:spPr>
+        <p:style>
+          <a:lnRef idx="1">
+            <a:schemeClr val="accent1"/>
+          </a:lnRef>
+          <a:fillRef idx="0">
+            <a:schemeClr val="accent1"/>
+          </a:fillRef>
+          <a:effectRef idx="0">
+            <a:schemeClr val="accent1"/>
+          </a:effectRef>
+          <a:fontRef idx="minor">
+            <a:schemeClr val="tx1"/>
+          </a:fontRef>
+        </p:style>
+      </p:cxnSp>
       <p:sp>
         <p:nvSpPr>
           <p:cNvPr id="2" name="Title 1"/>
@@ -20550,20 +20680,27 @@
             <p:ph type="ctrTitle"/>
           </p:nvPr>
         </p:nvSpPr>
-        <p:spPr/>
+        <p:spPr>
+          <a:xfrm>
+            <a:off x="636805" y="640080"/>
+            <a:ext cx="3378099" cy="3034857"/>
+          </a:xfrm>
+        </p:spPr>
         <p:txBody>
-          <a:bodyPr/>
+          <a:bodyPr anchor="b">
+            <a:normAutofit/>
+          </a:bodyPr>
           <a:lstStyle/>
           <a:p>
             <a:r>
-              <a:rPr lang="en-US" dirty="0"/>
+              <a:rPr lang="en-US" sz="4400" dirty="0"/>
               <a:t>Mimic </a:t>
             </a:r>
             <a:r>
-              <a:rPr lang="en-US" dirty="0" err="1"/>
+              <a:rPr lang="en-US" sz="4400" dirty="0" err="1"/>
               <a:t>vr</a:t>
             </a:r>
-            <a:endParaRPr lang="en-US" dirty="0"/>
+            <a:endParaRPr lang="en-US" sz="4400" dirty="0"/>
           </a:p>
         </p:txBody>
       </p:sp>
@@ -20577,16 +20714,23 @@
             <p:ph type="subTitle" idx="1"/>
           </p:nvPr>
         </p:nvSpPr>
-        <p:spPr/>
+        <p:spPr>
+          <a:xfrm>
+            <a:off x="636806" y="3849539"/>
+            <a:ext cx="3378098" cy="2367405"/>
+          </a:xfrm>
+        </p:spPr>
         <p:txBody>
-          <a:bodyPr/>
+          <a:bodyPr anchor="t">
+            <a:normAutofit/>
+          </a:bodyPr>
           <a:lstStyle/>
           <a:p>
+            <a:pPr algn="r"/>
             <a:r>
-              <a:rPr lang="en-US" dirty="0"/>
-              <a:t>A virtual simulation space of robotics</a:t>
+              <a:rPr lang="en-US" sz="1600" dirty="0"/>
+              <a:t>A virtual reality simulation for robotics</a:t>
             </a:r>
-            <a:endParaRPr lang="en-US" dirty="0"/>
           </a:p>
         </p:txBody>
       </p:sp>
@@ -20622,6 +20766,129 @@
       </p:grpSpPr>
       <p:sp>
         <p:nvSpPr>
+          <p:cNvPr id="38" name="Rectangle 33"/>
+          <p:cNvSpPr>
+            <a:spLocks noGrp="1" noRot="1" noChangeAspect="1" noMove="1" noResize="1" noEditPoints="1" noAdjustHandles="1" noChangeArrowheads="1" noChangeShapeType="1" noTextEdit="1"/>
+          </p:cNvSpPr>
+          <p:nvPr>
+            <p:extLst>
+              <p:ext uri="{386F3935-93C4-4BCD-93E2-E3B085C9AB24}">
+                <p16:designElem xmlns:p16="http://schemas.microsoft.com/office/powerpoint/2015/main" val="1"/>
+              </p:ext>
+            </p:extLst>
+          </p:nvPr>
+        </p:nvSpPr>
+        <p:spPr>
+          <a:xfrm>
+            <a:off x="0" y="0"/>
+            <a:ext cx="5468548" cy="6858000"/>
+          </a:xfrm>
+          <a:prstGeom prst="rect">
+            <a:avLst/>
+          </a:prstGeom>
+          <a:solidFill>
+            <a:srgbClr val="5D3846"/>
+          </a:solidFill>
+          <a:ln>
+            <a:noFill/>
+          </a:ln>
+        </p:spPr>
+        <p:style>
+          <a:lnRef idx="2">
+            <a:schemeClr val="accent1">
+              <a:shade val="50000"/>
+            </a:schemeClr>
+          </a:lnRef>
+          <a:fillRef idx="1">
+            <a:schemeClr val="accent1"/>
+          </a:fillRef>
+          <a:effectRef idx="0">
+            <a:schemeClr val="accent1"/>
+          </a:effectRef>
+          <a:fontRef idx="minor">
+            <a:schemeClr val="lt1"/>
+          </a:fontRef>
+        </p:style>
+        <p:txBody>
+          <a:bodyPr rtlCol="0" anchor="ctr"/>
+          <a:lstStyle/>
+          <a:p>
+            <a:pPr algn="ctr"/>
+            <a:endParaRPr lang="en-US"/>
+          </a:p>
+        </p:txBody>
+      </p:sp>
+      <p:pic>
+        <p:nvPicPr>
+          <p:cNvPr id="5" name="Picture 4" descr="A picture containing thing&#10;&#10;Description generated with high confidence"/>
+          <p:cNvPicPr>
+            <a:picLocks noChangeAspect="1"/>
+          </p:cNvPicPr>
+          <p:nvPr/>
+        </p:nvPicPr>
+        <p:blipFill rotWithShape="1">
+          <a:blip r:embed="rId2"/>
+          <a:srcRect l="33647" r="23559" b="-1"/>
+          <a:stretch/>
+        </p:blipFill>
+        <p:spPr>
+          <a:xfrm>
+            <a:off x="6096000" y="640080"/>
+            <a:ext cx="5455921" cy="5577840"/>
+          </a:xfrm>
+          <a:prstGeom prst="rect">
+            <a:avLst/>
+          </a:prstGeom>
+        </p:spPr>
+      </p:pic>
+      <p:cxnSp>
+        <p:nvCxnSpPr>
+          <p:cNvPr id="39" name="Straight Connector 35"/>
+          <p:cNvCxnSpPr>
+            <a:cxnSpLocks noGrp="1" noRot="1" noChangeAspect="1" noMove="1" noResize="1" noEditPoints="1" noAdjustHandles="1" noChangeArrowheads="1" noChangeShapeType="1"/>
+          </p:cNvCxnSpPr>
+          <p:nvPr>
+            <p:extLst>
+              <p:ext uri="{386F3935-93C4-4BCD-93E2-E3B085C9AB24}">
+                <p16:designElem xmlns:p16="http://schemas.microsoft.com/office/powerpoint/2015/main" val="1"/>
+              </p:ext>
+            </p:extLst>
+          </p:nvPr>
+        </p:nvCxnSpPr>
+        <p:spPr>
+          <a:xfrm flipV="1">
+            <a:off x="762000" y="826324"/>
+            <a:ext cx="0" cy="914400"/>
+          </a:xfrm>
+          <a:prstGeom prst="line">
+            <a:avLst/>
+          </a:prstGeom>
+          <a:ln w="19050">
+            <a:solidFill>
+              <a:schemeClr val="accent1">
+                <a:lumMod val="20000"/>
+                <a:lumOff val="80000"/>
+              </a:schemeClr>
+            </a:solidFill>
+          </a:ln>
+        </p:spPr>
+        <p:style>
+          <a:lnRef idx="1">
+            <a:schemeClr val="accent1"/>
+          </a:lnRef>
+          <a:fillRef idx="0">
+            <a:schemeClr val="accent1"/>
+          </a:fillRef>
+          <a:effectRef idx="0">
+            <a:schemeClr val="accent1"/>
+          </a:effectRef>
+          <a:fontRef idx="minor">
+            <a:schemeClr val="tx1"/>
+          </a:fontRef>
+        </p:style>
+      </p:cxnSp>
+      <p:sp>
+        <p:nvSpPr>
           <p:cNvPr id="2" name="Title 1"/>
           <p:cNvSpPr>
             <a:spLocks noGrp="1"/>
@@ -20630,12 +20897,26 @@
             <p:ph type="title"/>
           </p:nvPr>
         </p:nvSpPr>
-        <p:spPr/>
+        <p:spPr>
+          <a:xfrm>
+            <a:off x="1024129" y="585216"/>
+            <a:ext cx="3779085" cy="1499616"/>
+          </a:xfrm>
+        </p:spPr>
         <p:txBody>
-          <a:bodyPr/>
+          <a:bodyPr>
+            <a:normAutofit/>
+          </a:bodyPr>
           <a:lstStyle/>
           <a:p>
-            <a:endParaRPr lang="en-US"/>
+            <a:r>
+              <a:rPr lang="en-US">
+                <a:solidFill>
+                  <a:srgbClr val="FFFFFF"/>
+                </a:solidFill>
+              </a:rPr>
+              <a:t>Background</a:t>
+            </a:r>
           </a:p>
         </p:txBody>
       </p:sp>
@@ -20649,12 +20930,325 @@
             <p:ph idx="1"/>
           </p:nvPr>
         </p:nvSpPr>
-        <p:spPr/>
+        <p:spPr>
+          <a:xfrm>
+            <a:off x="1024129" y="2286000"/>
+            <a:ext cx="3791711" cy="3931920"/>
+          </a:xfrm>
+        </p:spPr>
         <p:txBody>
-          <a:bodyPr/>
+          <a:bodyPr>
+            <a:normAutofit/>
+          </a:bodyPr>
           <a:lstStyle/>
           <a:p>
+            <a:r>
+              <a:rPr lang="en-US">
+                <a:solidFill>
+                  <a:srgbClr val="FFFFFF"/>
+                </a:solidFill>
+              </a:rPr>
+              <a:t>HTC Vive Light house tracking</a:t>
+            </a:r>
+          </a:p>
+          <a:p>
+            <a:r>
+              <a:rPr lang="en-US">
+                <a:solidFill>
+                  <a:srgbClr val="FFFFFF"/>
+                </a:solidFill>
+              </a:rPr>
+              <a:t>Open source Vive Tracker Technology</a:t>
+            </a:r>
+          </a:p>
+          <a:p>
+            <a:r>
+              <a:rPr lang="en-US">
+                <a:solidFill>
+                  <a:srgbClr val="FFFFFF"/>
+                </a:solidFill>
+              </a:rPr>
+              <a:t>Drone and Robot actuation control through Vive</a:t>
+            </a:r>
+          </a:p>
+          <a:p>
+            <a:r>
+              <a:rPr lang="en-US">
+                <a:solidFill>
+                  <a:srgbClr val="FFFFFF"/>
+                </a:solidFill>
+              </a:rPr>
+              <a:t>Tele-operated and Crime Scene Investigation Robots</a:t>
+            </a:r>
+          </a:p>
+          <a:p>
+            <a:endParaRPr lang="en-US">
+              <a:solidFill>
+                <a:srgbClr val="FFFFFF"/>
+              </a:solidFill>
+            </a:endParaRPr>
+          </a:p>
+        </p:txBody>
+      </p:sp>
+    </p:spTree>
+    <p:extLst>
+      <p:ext uri="{BB962C8B-B14F-4D97-AF65-F5344CB8AC3E}">
+        <p14:creationId xmlns:p14="http://schemas.microsoft.com/office/powerpoint/2010/main" val="3585836104"/>
+      </p:ext>
+    </p:extLst>
+  </p:cSld>
+  <p:clrMapOvr>
+    <a:masterClrMapping/>
+  </p:clrMapOvr>
+</p:sld>
+</file>
+
+<file path=ppt/slides/slide3.xml><?xml version="1.0" encoding="utf-8"?>
+<p:sld xmlns:a="http://schemas.openxmlformats.org/drawingml/2006/main" xmlns:r="http://schemas.openxmlformats.org/officeDocument/2006/relationships" xmlns:p="http://schemas.openxmlformats.org/presentationml/2006/main">
+  <p:cSld>
+    <p:spTree>
+      <p:nvGrpSpPr>
+        <p:cNvPr id="1" name=""/>
+        <p:cNvGrpSpPr/>
+        <p:nvPr/>
+      </p:nvGrpSpPr>
+      <p:grpSpPr>
+        <a:xfrm>
+          <a:off x="0" y="0"/>
+          <a:ext cx="0" cy="0"/>
+          <a:chOff x="0" y="0"/>
+          <a:chExt cx="0" cy="0"/>
+        </a:xfrm>
+      </p:grpSpPr>
+      <p:sp>
+        <p:nvSpPr>
+          <p:cNvPr id="29" name="Rectangle 28"/>
+          <p:cNvSpPr>
+            <a:spLocks noGrp="1" noRot="1" noChangeAspect="1" noMove="1" noResize="1" noEditPoints="1" noAdjustHandles="1" noChangeArrowheads="1" noChangeShapeType="1" noTextEdit="1"/>
+          </p:cNvSpPr>
+          <p:nvPr>
+            <p:extLst>
+              <p:ext uri="{386F3935-93C4-4BCD-93E2-E3B085C9AB24}">
+                <p16:designElem xmlns:p16="http://schemas.microsoft.com/office/powerpoint/2015/main" val="1"/>
+              </p:ext>
+            </p:extLst>
+          </p:nvPr>
+        </p:nvSpPr>
+        <p:spPr>
+          <a:xfrm>
+            <a:off x="327547" y="321731"/>
+            <a:ext cx="5688020" cy="6214535"/>
+          </a:xfrm>
+          <a:prstGeom prst="rect">
+            <a:avLst/>
+          </a:prstGeom>
+          <a:solidFill>
+            <a:srgbClr val="404040"/>
+          </a:solidFill>
+          <a:ln>
+            <a:noFill/>
+          </a:ln>
+        </p:spPr>
+        <p:style>
+          <a:lnRef idx="2">
+            <a:schemeClr val="accent1">
+              <a:shade val="50000"/>
+            </a:schemeClr>
+          </a:lnRef>
+          <a:fillRef idx="1">
+            <a:schemeClr val="accent1"/>
+          </a:fillRef>
+          <a:effectRef idx="0">
+            <a:schemeClr val="accent1"/>
+          </a:effectRef>
+          <a:fontRef idx="minor">
+            <a:schemeClr val="lt1"/>
+          </a:fontRef>
+        </p:style>
+        <p:txBody>
+          <a:bodyPr rtlCol="0" anchor="ctr"/>
+          <a:lstStyle/>
+          <a:p>
+            <a:pPr algn="ctr"/>
             <a:endParaRPr lang="en-US"/>
+          </a:p>
+        </p:txBody>
+      </p:sp>
+      <p:sp>
+        <p:nvSpPr>
+          <p:cNvPr id="31" name="Rectangle 30"/>
+          <p:cNvSpPr>
+            <a:spLocks noGrp="1" noRot="1" noChangeAspect="1" noMove="1" noResize="1" noEditPoints="1" noAdjustHandles="1" noChangeArrowheads="1" noChangeShapeType="1" noTextEdit="1"/>
+          </p:cNvSpPr>
+          <p:nvPr>
+            <p:extLst>
+              <p:ext uri="{386F3935-93C4-4BCD-93E2-E3B085C9AB24}">
+                <p16:designElem xmlns:p16="http://schemas.microsoft.com/office/powerpoint/2015/main" val="1"/>
+              </p:ext>
+            </p:extLst>
+          </p:nvPr>
+        </p:nvSpPr>
+        <p:spPr>
+          <a:xfrm>
+            <a:off x="6176434" y="321732"/>
+            <a:ext cx="5693835" cy="6214534"/>
+          </a:xfrm>
+          <a:prstGeom prst="rect">
+            <a:avLst/>
+          </a:prstGeom>
+          <a:solidFill>
+            <a:schemeClr val="accent1"/>
+          </a:solidFill>
+          <a:ln>
+            <a:noFill/>
+          </a:ln>
+        </p:spPr>
+        <p:style>
+          <a:lnRef idx="2">
+            <a:schemeClr val="accent1">
+              <a:shade val="50000"/>
+            </a:schemeClr>
+          </a:lnRef>
+          <a:fillRef idx="1">
+            <a:schemeClr val="accent1"/>
+          </a:fillRef>
+          <a:effectRef idx="0">
+            <a:schemeClr val="accent1"/>
+          </a:effectRef>
+          <a:fontRef idx="minor">
+            <a:schemeClr val="lt1"/>
+          </a:fontRef>
+        </p:style>
+        <p:txBody>
+          <a:bodyPr rtlCol="0" anchor="ctr"/>
+          <a:lstStyle/>
+          <a:p>
+            <a:pPr algn="ctr"/>
+            <a:endParaRPr lang="en-US"/>
+          </a:p>
+        </p:txBody>
+      </p:sp>
+      <p:sp>
+        <p:nvSpPr>
+          <p:cNvPr id="2" name="Title 1"/>
+          <p:cNvSpPr>
+            <a:spLocks noGrp="1"/>
+          </p:cNvSpPr>
+          <p:nvPr>
+            <p:ph type="title"/>
+          </p:nvPr>
+        </p:nvSpPr>
+        <p:spPr>
+          <a:xfrm>
+            <a:off x="840998" y="965200"/>
+            <a:ext cx="4689938" cy="4815596"/>
+          </a:xfrm>
+        </p:spPr>
+        <p:txBody>
+          <a:bodyPr>
+            <a:normAutofit/>
+          </a:bodyPr>
+          <a:lstStyle/>
+          <a:p>
+            <a:pPr algn="r"/>
+            <a:r>
+              <a:rPr lang="en-US" dirty="0">
+                <a:solidFill>
+                  <a:srgbClr val="FFFFFF"/>
+                </a:solidFill>
+              </a:rPr>
+              <a:t>Concept</a:t>
+            </a:r>
+          </a:p>
+        </p:txBody>
+      </p:sp>
+      <p:sp>
+        <p:nvSpPr>
+          <p:cNvPr id="3" name="Content Placeholder 2"/>
+          <p:cNvSpPr>
+            <a:spLocks noGrp="1"/>
+          </p:cNvSpPr>
+          <p:nvPr>
+            <p:ph idx="1"/>
+          </p:nvPr>
+        </p:nvSpPr>
+        <p:spPr>
+          <a:xfrm>
+            <a:off x="6661065" y="974875"/>
+            <a:ext cx="4724573" cy="4852362"/>
+          </a:xfrm>
+        </p:spPr>
+        <p:txBody>
+          <a:bodyPr anchor="ctr">
+            <a:normAutofit/>
+          </a:bodyPr>
+          <a:lstStyle/>
+          <a:p>
+            <a:r>
+              <a:rPr lang="en-US" dirty="0">
+                <a:solidFill>
+                  <a:srgbClr val="FFFFFF"/>
+                </a:solidFill>
+              </a:rPr>
+              <a:t>Autonomous Agents utilizing VR tracking for navigation</a:t>
+            </a:r>
+          </a:p>
+          <a:p>
+            <a:r>
+              <a:rPr lang="en-US" dirty="0">
+                <a:solidFill>
+                  <a:srgbClr val="FFFFFF"/>
+                </a:solidFill>
+              </a:rPr>
+              <a:t>Simulation and data recording from virtualized robot actuation</a:t>
+            </a:r>
+          </a:p>
+          <a:p>
+            <a:r>
+              <a:rPr lang="en-US" dirty="0">
+                <a:solidFill>
+                  <a:srgbClr val="FFFFFF"/>
+                </a:solidFill>
+              </a:rPr>
+              <a:t>Response time and accuracy of path commands</a:t>
+            </a:r>
+          </a:p>
+          <a:p>
+            <a:r>
+              <a:rPr lang="en-US" dirty="0">
+                <a:solidFill>
+                  <a:srgbClr val="FFFFFF"/>
+                </a:solidFill>
+              </a:rPr>
+              <a:t>How much can VR controlled robots Mimic Human movement?</a:t>
+            </a:r>
+          </a:p>
+          <a:p>
+            <a:r>
+              <a:rPr lang="en-US" dirty="0">
+                <a:solidFill>
+                  <a:srgbClr val="FFFFFF"/>
+                </a:solidFill>
+              </a:rPr>
+              <a:t>Can a benchmark be used to measure movement accuracy?</a:t>
+            </a:r>
+          </a:p>
+          <a:p>
+            <a:endParaRPr lang="en-US" dirty="0">
+              <a:solidFill>
+                <a:srgbClr val="FFFFFF"/>
+              </a:solidFill>
+            </a:endParaRPr>
+          </a:p>
+          <a:p>
+            <a:pPr marL="0" indent="0">
+              <a:buNone/>
+            </a:pPr>
+            <a:endParaRPr lang="en-US" dirty="0">
+              <a:solidFill>
+                <a:srgbClr val="FFFFFF"/>
+              </a:solidFill>
+            </a:endParaRPr>
           </a:p>
         </p:txBody>
       </p:sp>
@@ -20662,6 +21256,115 @@
     <p:extLst>
       <p:ext uri="{BB962C8B-B14F-4D97-AF65-F5344CB8AC3E}">
         <p14:creationId xmlns:p14="http://schemas.microsoft.com/office/powerpoint/2010/main" val="283117766"/>
+      </p:ext>
+    </p:extLst>
+  </p:cSld>
+  <p:clrMapOvr>
+    <a:masterClrMapping/>
+  </p:clrMapOvr>
+</p:sld>
+</file>
+
+<file path=ppt/slides/slide4.xml><?xml version="1.0" encoding="utf-8"?>
+<p:sld xmlns:a="http://schemas.openxmlformats.org/drawingml/2006/main" xmlns:r="http://schemas.openxmlformats.org/officeDocument/2006/relationships" xmlns:p="http://schemas.openxmlformats.org/presentationml/2006/main">
+  <p:cSld>
+    <p:spTree>
+      <p:nvGrpSpPr>
+        <p:cNvPr id="1" name=""/>
+        <p:cNvGrpSpPr/>
+        <p:nvPr/>
+      </p:nvGrpSpPr>
+      <p:grpSpPr>
+        <a:xfrm>
+          <a:off x="0" y="0"/>
+          <a:ext cx="0" cy="0"/>
+          <a:chOff x="0" y="0"/>
+          <a:chExt cx="0" cy="0"/>
+        </a:xfrm>
+      </p:grpSpPr>
+      <p:pic>
+        <p:nvPicPr>
+          <p:cNvPr id="29" name="Content Placeholder 6"/>
+          <p:cNvPicPr>
+            <a:picLocks noChangeAspect="1"/>
+          </p:cNvPicPr>
+          <p:nvPr/>
+        </p:nvPicPr>
+        <p:blipFill>
+          <a:blip r:embed="rId2"/>
+          <a:stretch>
+            <a:fillRect/>
+          </a:stretch>
+        </p:blipFill>
+        <p:spPr>
+          <a:xfrm>
+            <a:off x="4642342" y="1459771"/>
+            <a:ext cx="6909577" cy="3938458"/>
+          </a:xfrm>
+          <a:prstGeom prst="rect">
+            <a:avLst/>
+          </a:prstGeom>
+        </p:spPr>
+      </p:pic>
+      <p:sp>
+        <p:nvSpPr>
+          <p:cNvPr id="2" name="Title 1"/>
+          <p:cNvSpPr>
+            <a:spLocks noGrp="1"/>
+          </p:cNvSpPr>
+          <p:nvPr>
+            <p:ph type="title"/>
+          </p:nvPr>
+        </p:nvSpPr>
+        <p:spPr>
+          <a:xfrm>
+            <a:off x="1024128" y="585216"/>
+            <a:ext cx="3133581" cy="1499616"/>
+          </a:xfrm>
+        </p:spPr>
+        <p:txBody>
+          <a:bodyPr>
+            <a:normAutofit/>
+          </a:bodyPr>
+          <a:lstStyle/>
+          <a:p>
+            <a:r>
+              <a:rPr lang="en-US" sz="4000" dirty="0"/>
+              <a:t>Architecture</a:t>
+            </a:r>
+          </a:p>
+        </p:txBody>
+      </p:sp>
+      <p:sp>
+        <p:nvSpPr>
+          <p:cNvPr id="30" name="Content Placeholder 11"/>
+          <p:cNvSpPr>
+            <a:spLocks noGrp="1"/>
+          </p:cNvSpPr>
+          <p:nvPr>
+            <p:ph idx="1"/>
+          </p:nvPr>
+        </p:nvSpPr>
+        <p:spPr>
+          <a:xfrm>
+            <a:off x="1024128" y="2286000"/>
+            <a:ext cx="3133580" cy="3931920"/>
+          </a:xfrm>
+        </p:spPr>
+        <p:txBody>
+          <a:bodyPr>
+            <a:normAutofit/>
+          </a:bodyPr>
+          <a:lstStyle/>
+          <a:p>
+            <a:endParaRPr lang="en-US" sz="1600" dirty="0"/>
+          </a:p>
+        </p:txBody>
+      </p:sp>
+    </p:spTree>
+    <p:extLst>
+      <p:ext uri="{BB962C8B-B14F-4D97-AF65-F5344CB8AC3E}">
+        <p14:creationId xmlns:p14="http://schemas.microsoft.com/office/powerpoint/2010/main" val="1052918002"/>
       </p:ext>
     </p:extLst>
   </p:cSld>

--- a/Report/Mimic vr.pptx
+++ b/Report/Mimic vr.pptx
@@ -9,6 +9,20 @@
     <p:sldId id="258" r:id="rId3"/>
     <p:sldId id="257" r:id="rId4"/>
     <p:sldId id="259" r:id="rId5"/>
+    <p:sldId id="260" r:id="rId6"/>
+    <p:sldId id="261" r:id="rId7"/>
+    <p:sldId id="262" r:id="rId8"/>
+    <p:sldId id="263" r:id="rId9"/>
+    <p:sldId id="265" r:id="rId10"/>
+    <p:sldId id="264" r:id="rId11"/>
+    <p:sldId id="266" r:id="rId12"/>
+    <p:sldId id="268" r:id="rId13"/>
+    <p:sldId id="269" r:id="rId14"/>
+    <p:sldId id="270" r:id="rId15"/>
+    <p:sldId id="271" r:id="rId16"/>
+    <p:sldId id="272" r:id="rId17"/>
+    <p:sldId id="273" r:id="rId18"/>
+    <p:sldId id="274" r:id="rId19"/>
   </p:sldIdLst>
   <p:sldSz cx="12192000" cy="6858000"/>
   <p:notesSz cx="6858000" cy="9144000"/>
@@ -20747,6 +20761,1202 @@
 </p:sld>
 </file>
 
+<file path=ppt/slides/slide10.xml><?xml version="1.0" encoding="utf-8"?>
+<p:sld xmlns:a="http://schemas.openxmlformats.org/drawingml/2006/main" xmlns:r="http://schemas.openxmlformats.org/officeDocument/2006/relationships" xmlns:p="http://schemas.openxmlformats.org/presentationml/2006/main">
+  <p:cSld>
+    <p:spTree>
+      <p:nvGrpSpPr>
+        <p:cNvPr id="1" name=""/>
+        <p:cNvGrpSpPr/>
+        <p:nvPr/>
+      </p:nvGrpSpPr>
+      <p:grpSpPr>
+        <a:xfrm>
+          <a:off x="0" y="0"/>
+          <a:ext cx="0" cy="0"/>
+          <a:chOff x="0" y="0"/>
+          <a:chExt cx="0" cy="0"/>
+        </a:xfrm>
+      </p:grpSpPr>
+      <p:sp>
+        <p:nvSpPr>
+          <p:cNvPr id="10" name="Rectangle 9"/>
+          <p:cNvSpPr>
+            <a:spLocks noGrp="1" noRot="1" noChangeAspect="1" noMove="1" noResize="1" noEditPoints="1" noAdjustHandles="1" noChangeArrowheads="1" noChangeShapeType="1" noTextEdit="1"/>
+          </p:cNvSpPr>
+          <p:nvPr>
+            <p:extLst>
+              <p:ext uri="{386F3935-93C4-4BCD-93E2-E3B085C9AB24}">
+                <p16:designElem xmlns:p16="http://schemas.microsoft.com/office/powerpoint/2015/main" val="1"/>
+              </p:ext>
+            </p:extLst>
+          </p:nvPr>
+        </p:nvSpPr>
+        <p:spPr bwMode="white">
+          <a:xfrm>
+            <a:off x="0" y="0"/>
+            <a:ext cx="12192000" cy="6858000"/>
+          </a:xfrm>
+          <a:prstGeom prst="rect">
+            <a:avLst/>
+          </a:prstGeom>
+          <a:solidFill>
+            <a:schemeClr val="bg1"/>
+          </a:solidFill>
+          <a:ln>
+            <a:noFill/>
+          </a:ln>
+          <a:effectLst/>
+        </p:spPr>
+      </p:sp>
+      <p:cxnSp>
+        <p:nvCxnSpPr>
+          <p:cNvPr id="12" name="Straight Connector 11"/>
+          <p:cNvCxnSpPr>
+            <a:cxnSpLocks noGrp="1" noRot="1" noChangeAspect="1" noMove="1" noResize="1" noEditPoints="1" noAdjustHandles="1" noChangeArrowheads="1" noChangeShapeType="1"/>
+          </p:cNvCxnSpPr>
+          <p:nvPr>
+            <p:extLst>
+              <p:ext uri="{386F3935-93C4-4BCD-93E2-E3B085C9AB24}">
+                <p16:designElem xmlns:p16="http://schemas.microsoft.com/office/powerpoint/2015/main" val="1"/>
+              </p:ext>
+            </p:extLst>
+          </p:nvPr>
+        </p:nvCxnSpPr>
+        <p:spPr>
+          <a:xfrm flipV="1">
+            <a:off x="762000" y="826324"/>
+            <a:ext cx="0" cy="914400"/>
+          </a:xfrm>
+          <a:prstGeom prst="line">
+            <a:avLst/>
+          </a:prstGeom>
+          <a:ln w="19050">
+            <a:solidFill>
+              <a:schemeClr val="accent1"/>
+            </a:solidFill>
+          </a:ln>
+        </p:spPr>
+        <p:style>
+          <a:lnRef idx="1">
+            <a:schemeClr val="accent1"/>
+          </a:lnRef>
+          <a:fillRef idx="0">
+            <a:schemeClr val="accent1"/>
+          </a:fillRef>
+          <a:effectRef idx="0">
+            <a:schemeClr val="accent1"/>
+          </a:effectRef>
+          <a:fontRef idx="minor">
+            <a:schemeClr val="tx1"/>
+          </a:fontRef>
+        </p:style>
+      </p:cxnSp>
+      <p:sp>
+        <p:nvSpPr>
+          <p:cNvPr id="14" name="Rectangle 13"/>
+          <p:cNvSpPr>
+            <a:spLocks noGrp="1" noRot="1" noChangeAspect="1" noMove="1" noResize="1" noEditPoints="1" noAdjustHandles="1" noChangeArrowheads="1" noChangeShapeType="1" noTextEdit="1"/>
+          </p:cNvSpPr>
+          <p:nvPr>
+            <p:extLst>
+              <p:ext uri="{386F3935-93C4-4BCD-93E2-E3B085C9AB24}">
+                <p16:designElem xmlns:p16="http://schemas.microsoft.com/office/powerpoint/2015/main" val="1"/>
+              </p:ext>
+            </p:extLst>
+          </p:nvPr>
+        </p:nvSpPr>
+        <p:spPr>
+          <a:xfrm>
+            <a:off x="0" y="0"/>
+            <a:ext cx="5468548" cy="6858000"/>
+          </a:xfrm>
+          <a:prstGeom prst="rect">
+            <a:avLst/>
+          </a:prstGeom>
+          <a:solidFill>
+            <a:schemeClr val="accent1"/>
+          </a:solidFill>
+          <a:ln>
+            <a:noFill/>
+          </a:ln>
+        </p:spPr>
+        <p:style>
+          <a:lnRef idx="2">
+            <a:schemeClr val="accent1">
+              <a:shade val="50000"/>
+            </a:schemeClr>
+          </a:lnRef>
+          <a:fillRef idx="1">
+            <a:schemeClr val="accent1"/>
+          </a:fillRef>
+          <a:effectRef idx="0">
+            <a:schemeClr val="accent1"/>
+          </a:effectRef>
+          <a:fontRef idx="minor">
+            <a:schemeClr val="lt1"/>
+          </a:fontRef>
+        </p:style>
+        <p:txBody>
+          <a:bodyPr rtlCol="0" anchor="ctr"/>
+          <a:lstStyle/>
+          <a:p>
+            <a:pPr algn="ctr"/>
+            <a:endParaRPr lang="en-US"/>
+          </a:p>
+        </p:txBody>
+      </p:sp>
+      <p:pic>
+        <p:nvPicPr>
+          <p:cNvPr id="5" name="Content Placeholder 4"/>
+          <p:cNvPicPr>
+            <a:picLocks noGrp="1" noChangeAspect="1"/>
+          </p:cNvPicPr>
+          <p:nvPr>
+            <p:ph idx="1"/>
+          </p:nvPr>
+        </p:nvPicPr>
+        <p:blipFill>
+          <a:blip r:embed="rId2"/>
+          <a:stretch>
+            <a:fillRect/>
+          </a:stretch>
+        </p:blipFill>
+        <p:spPr>
+          <a:xfrm>
+            <a:off x="6096000" y="1894522"/>
+            <a:ext cx="5455921" cy="3068955"/>
+          </a:xfrm>
+          <a:prstGeom prst="rect">
+            <a:avLst/>
+          </a:prstGeom>
+        </p:spPr>
+      </p:pic>
+      <p:cxnSp>
+        <p:nvCxnSpPr>
+          <p:cNvPr id="16" name="Straight Connector 15"/>
+          <p:cNvCxnSpPr>
+            <a:cxnSpLocks noGrp="1" noRot="1" noChangeAspect="1" noMove="1" noResize="1" noEditPoints="1" noAdjustHandles="1" noChangeArrowheads="1" noChangeShapeType="1"/>
+          </p:cNvCxnSpPr>
+          <p:nvPr>
+            <p:extLst>
+              <p:ext uri="{386F3935-93C4-4BCD-93E2-E3B085C9AB24}">
+                <p16:designElem xmlns:p16="http://schemas.microsoft.com/office/powerpoint/2015/main" val="1"/>
+              </p:ext>
+            </p:extLst>
+          </p:nvPr>
+        </p:nvCxnSpPr>
+        <p:spPr>
+          <a:xfrm flipV="1">
+            <a:off x="762000" y="826324"/>
+            <a:ext cx="0" cy="914400"/>
+          </a:xfrm>
+          <a:prstGeom prst="line">
+            <a:avLst/>
+          </a:prstGeom>
+          <a:ln w="19050">
+            <a:solidFill>
+              <a:schemeClr val="accent1">
+                <a:lumMod val="20000"/>
+                <a:lumOff val="80000"/>
+              </a:schemeClr>
+            </a:solidFill>
+          </a:ln>
+        </p:spPr>
+        <p:style>
+          <a:lnRef idx="1">
+            <a:schemeClr val="accent1"/>
+          </a:lnRef>
+          <a:fillRef idx="0">
+            <a:schemeClr val="accent1"/>
+          </a:fillRef>
+          <a:effectRef idx="0">
+            <a:schemeClr val="accent1"/>
+          </a:effectRef>
+          <a:fontRef idx="minor">
+            <a:schemeClr val="tx1"/>
+          </a:fontRef>
+        </p:style>
+      </p:cxnSp>
+      <p:sp>
+        <p:nvSpPr>
+          <p:cNvPr id="2" name="Title 1"/>
+          <p:cNvSpPr>
+            <a:spLocks noGrp="1"/>
+          </p:cNvSpPr>
+          <p:nvPr>
+            <p:ph type="title"/>
+          </p:nvPr>
+        </p:nvSpPr>
+        <p:spPr>
+          <a:xfrm>
+            <a:off x="1024129" y="585216"/>
+            <a:ext cx="3779085" cy="1499616"/>
+          </a:xfrm>
+        </p:spPr>
+        <p:txBody>
+          <a:bodyPr vert="horz" lIns="91440" tIns="45720" rIns="91440" bIns="45720" rtlCol="0" anchor="ctr">
+            <a:normAutofit/>
+          </a:bodyPr>
+          <a:lstStyle/>
+          <a:p>
+            <a:r>
+              <a:rPr lang="en-US" sz="5000" dirty="0">
+                <a:solidFill>
+                  <a:srgbClr val="FFFFFF"/>
+                </a:solidFill>
+              </a:rPr>
+              <a:t>Path Finding p. 2</a:t>
+            </a:r>
+            <a:endParaRPr lang="en-US" sz="5000" dirty="0">
+              <a:solidFill>
+                <a:srgbClr val="FFFFFF"/>
+              </a:solidFill>
+            </a:endParaRPr>
+          </a:p>
+        </p:txBody>
+      </p:sp>
+      <p:sp>
+        <p:nvSpPr>
+          <p:cNvPr id="4" name="Text Placeholder 3"/>
+          <p:cNvSpPr>
+            <a:spLocks noGrp="1"/>
+          </p:cNvSpPr>
+          <p:nvPr>
+            <p:ph type="body" sz="half" idx="2"/>
+          </p:nvPr>
+        </p:nvSpPr>
+        <p:spPr>
+          <a:xfrm>
+            <a:off x="1024129" y="2286000"/>
+            <a:ext cx="3791711" cy="3931920"/>
+          </a:xfrm>
+        </p:spPr>
+        <p:txBody>
+          <a:bodyPr vert="horz" lIns="45720" tIns="45720" rIns="45720" bIns="45720" rtlCol="0">
+            <a:normAutofit/>
+          </a:bodyPr>
+          <a:lstStyle/>
+          <a:p>
+            <a:pPr>
+              <a:lnSpc>
+                <a:spcPct val="90000"/>
+              </a:lnSpc>
+            </a:pPr>
+            <a:r>
+              <a:rPr lang="en-US" dirty="0">
+                <a:solidFill>
+                  <a:srgbClr val="FFFFFF"/>
+                </a:solidFill>
+              </a:rPr>
+              <a:t>Tests the complex navigation system by moving around tight walls.</a:t>
+            </a:r>
+          </a:p>
+        </p:txBody>
+      </p:sp>
+    </p:spTree>
+    <p:extLst>
+      <p:ext uri="{BB962C8B-B14F-4D97-AF65-F5344CB8AC3E}">
+        <p14:creationId xmlns:p14="http://schemas.microsoft.com/office/powerpoint/2010/main" val="602902183"/>
+      </p:ext>
+    </p:extLst>
+  </p:cSld>
+  <p:clrMapOvr>
+    <a:masterClrMapping/>
+  </p:clrMapOvr>
+</p:sld>
+</file>
+
+<file path=ppt/slides/slide11.xml><?xml version="1.0" encoding="utf-8"?>
+<p:sld xmlns:a="http://schemas.openxmlformats.org/drawingml/2006/main" xmlns:r="http://schemas.openxmlformats.org/officeDocument/2006/relationships" xmlns:p="http://schemas.openxmlformats.org/presentationml/2006/main">
+  <p:cSld>
+    <p:spTree>
+      <p:nvGrpSpPr>
+        <p:cNvPr id="1" name=""/>
+        <p:cNvGrpSpPr/>
+        <p:nvPr/>
+      </p:nvGrpSpPr>
+      <p:grpSpPr>
+        <a:xfrm>
+          <a:off x="0" y="0"/>
+          <a:ext cx="0" cy="0"/>
+          <a:chOff x="0" y="0"/>
+          <a:chExt cx="0" cy="0"/>
+        </a:xfrm>
+      </p:grpSpPr>
+      <p:sp>
+        <p:nvSpPr>
+          <p:cNvPr id="10" name="Rectangle 9"/>
+          <p:cNvSpPr>
+            <a:spLocks noGrp="1" noRot="1" noChangeAspect="1" noMove="1" noResize="1" noEditPoints="1" noAdjustHandles="1" noChangeArrowheads="1" noChangeShapeType="1" noTextEdit="1"/>
+          </p:cNvSpPr>
+          <p:nvPr>
+            <p:extLst>
+              <p:ext uri="{386F3935-93C4-4BCD-93E2-E3B085C9AB24}">
+                <p16:designElem xmlns:p16="http://schemas.microsoft.com/office/powerpoint/2015/main" val="1"/>
+              </p:ext>
+            </p:extLst>
+          </p:nvPr>
+        </p:nvSpPr>
+        <p:spPr bwMode="white">
+          <a:xfrm>
+            <a:off x="0" y="0"/>
+            <a:ext cx="12192000" cy="6858000"/>
+          </a:xfrm>
+          <a:prstGeom prst="rect">
+            <a:avLst/>
+          </a:prstGeom>
+          <a:solidFill>
+            <a:schemeClr val="bg1"/>
+          </a:solidFill>
+          <a:ln>
+            <a:noFill/>
+          </a:ln>
+          <a:effectLst/>
+        </p:spPr>
+      </p:sp>
+      <p:cxnSp>
+        <p:nvCxnSpPr>
+          <p:cNvPr id="12" name="Straight Connector 11"/>
+          <p:cNvCxnSpPr>
+            <a:cxnSpLocks noGrp="1" noRot="1" noChangeAspect="1" noMove="1" noResize="1" noEditPoints="1" noAdjustHandles="1" noChangeArrowheads="1" noChangeShapeType="1"/>
+          </p:cNvCxnSpPr>
+          <p:nvPr>
+            <p:extLst>
+              <p:ext uri="{386F3935-93C4-4BCD-93E2-E3B085C9AB24}">
+                <p16:designElem xmlns:p16="http://schemas.microsoft.com/office/powerpoint/2015/main" val="1"/>
+              </p:ext>
+            </p:extLst>
+          </p:nvPr>
+        </p:nvCxnSpPr>
+        <p:spPr>
+          <a:xfrm flipV="1">
+            <a:off x="762000" y="826324"/>
+            <a:ext cx="0" cy="914400"/>
+          </a:xfrm>
+          <a:prstGeom prst="line">
+            <a:avLst/>
+          </a:prstGeom>
+          <a:ln w="19050">
+            <a:solidFill>
+              <a:schemeClr val="accent1"/>
+            </a:solidFill>
+          </a:ln>
+        </p:spPr>
+        <p:style>
+          <a:lnRef idx="1">
+            <a:schemeClr val="accent1"/>
+          </a:lnRef>
+          <a:fillRef idx="0">
+            <a:schemeClr val="accent1"/>
+          </a:fillRef>
+          <a:effectRef idx="0">
+            <a:schemeClr val="accent1"/>
+          </a:effectRef>
+          <a:fontRef idx="minor">
+            <a:schemeClr val="tx1"/>
+          </a:fontRef>
+        </p:style>
+      </p:cxnSp>
+      <p:sp>
+        <p:nvSpPr>
+          <p:cNvPr id="19" name="Rectangle 13"/>
+          <p:cNvSpPr>
+            <a:spLocks noGrp="1" noRot="1" noChangeAspect="1" noMove="1" noResize="1" noEditPoints="1" noAdjustHandles="1" noChangeArrowheads="1" noChangeShapeType="1" noTextEdit="1"/>
+          </p:cNvSpPr>
+          <p:nvPr>
+            <p:extLst>
+              <p:ext uri="{386F3935-93C4-4BCD-93E2-E3B085C9AB24}">
+                <p16:designElem xmlns:p16="http://schemas.microsoft.com/office/powerpoint/2015/main" val="1"/>
+              </p:ext>
+            </p:extLst>
+          </p:nvPr>
+        </p:nvSpPr>
+        <p:spPr>
+          <a:xfrm>
+            <a:off x="327546" y="4572000"/>
+            <a:ext cx="7058307" cy="1964266"/>
+          </a:xfrm>
+          <a:prstGeom prst="rect">
+            <a:avLst/>
+          </a:prstGeom>
+          <a:solidFill>
+            <a:srgbClr val="3D3453"/>
+          </a:solidFill>
+          <a:ln>
+            <a:noFill/>
+          </a:ln>
+        </p:spPr>
+        <p:style>
+          <a:lnRef idx="2">
+            <a:schemeClr val="accent1">
+              <a:shade val="50000"/>
+            </a:schemeClr>
+          </a:lnRef>
+          <a:fillRef idx="1">
+            <a:schemeClr val="accent1"/>
+          </a:fillRef>
+          <a:effectRef idx="0">
+            <a:schemeClr val="accent1"/>
+          </a:effectRef>
+          <a:fontRef idx="minor">
+            <a:schemeClr val="lt1"/>
+          </a:fontRef>
+        </p:style>
+        <p:txBody>
+          <a:bodyPr rtlCol="0" anchor="ctr"/>
+          <a:lstStyle/>
+          <a:p>
+            <a:pPr algn="ctr"/>
+            <a:endParaRPr lang="en-US"/>
+          </a:p>
+        </p:txBody>
+      </p:sp>
+      <p:sp>
+        <p:nvSpPr>
+          <p:cNvPr id="20" name="Rectangle 15"/>
+          <p:cNvSpPr>
+            <a:spLocks noGrp="1" noRot="1" noChangeAspect="1" noMove="1" noResize="1" noEditPoints="1" noAdjustHandles="1" noChangeArrowheads="1" noChangeShapeType="1" noTextEdit="1"/>
+          </p:cNvSpPr>
+          <p:nvPr>
+            <p:extLst>
+              <p:ext uri="{386F3935-93C4-4BCD-93E2-E3B085C9AB24}">
+                <p16:designElem xmlns:p16="http://schemas.microsoft.com/office/powerpoint/2015/main" val="1"/>
+              </p:ext>
+            </p:extLst>
+          </p:nvPr>
+        </p:nvSpPr>
+        <p:spPr>
+          <a:xfrm>
+            <a:off x="7534655" y="321732"/>
+            <a:ext cx="4335613" cy="6214534"/>
+          </a:xfrm>
+          <a:prstGeom prst="rect">
+            <a:avLst/>
+          </a:prstGeom>
+          <a:solidFill>
+            <a:srgbClr val="404040"/>
+          </a:solidFill>
+          <a:ln>
+            <a:noFill/>
+          </a:ln>
+        </p:spPr>
+        <p:style>
+          <a:lnRef idx="2">
+            <a:schemeClr val="accent1">
+              <a:shade val="50000"/>
+            </a:schemeClr>
+          </a:lnRef>
+          <a:fillRef idx="1">
+            <a:schemeClr val="accent1"/>
+          </a:fillRef>
+          <a:effectRef idx="0">
+            <a:schemeClr val="accent1"/>
+          </a:effectRef>
+          <a:fontRef idx="minor">
+            <a:schemeClr val="lt1"/>
+          </a:fontRef>
+        </p:style>
+        <p:txBody>
+          <a:bodyPr rtlCol="0" anchor="ctr"/>
+          <a:lstStyle/>
+          <a:p>
+            <a:pPr algn="ctr"/>
+            <a:endParaRPr lang="en-US"/>
+          </a:p>
+        </p:txBody>
+      </p:sp>
+      <p:pic>
+        <p:nvPicPr>
+          <p:cNvPr id="5" name="Content Placeholder 4"/>
+          <p:cNvPicPr>
+            <a:picLocks noGrp="1" noChangeAspect="1"/>
+          </p:cNvPicPr>
+          <p:nvPr>
+            <p:ph idx="1"/>
+          </p:nvPr>
+        </p:nvPicPr>
+        <p:blipFill rotWithShape="1">
+          <a:blip r:embed="rId2"/>
+          <a:srcRect l="3338"/>
+          <a:stretch/>
+        </p:blipFill>
+        <p:spPr>
+          <a:xfrm>
+            <a:off x="327547" y="321733"/>
+            <a:ext cx="7058306" cy="4107392"/>
+          </a:xfrm>
+          <a:prstGeom prst="rect">
+            <a:avLst/>
+          </a:prstGeom>
+        </p:spPr>
+      </p:pic>
+      <p:sp>
+        <p:nvSpPr>
+          <p:cNvPr id="2" name="Title 1"/>
+          <p:cNvSpPr>
+            <a:spLocks noGrp="1"/>
+          </p:cNvSpPr>
+          <p:nvPr>
+            <p:ph type="title"/>
+          </p:nvPr>
+        </p:nvSpPr>
+        <p:spPr>
+          <a:xfrm>
+            <a:off x="524256" y="4767072"/>
+            <a:ext cx="6594189" cy="1625210"/>
+          </a:xfrm>
+        </p:spPr>
+        <p:txBody>
+          <a:bodyPr vert="horz" lIns="91440" tIns="45720" rIns="91440" bIns="45720" rtlCol="0" anchor="ctr">
+            <a:normAutofit/>
+          </a:bodyPr>
+          <a:lstStyle/>
+          <a:p>
+            <a:pPr algn="r"/>
+            <a:r>
+              <a:rPr lang="en-US" sz="5000">
+                <a:solidFill>
+                  <a:srgbClr val="FFFFFF"/>
+                </a:solidFill>
+              </a:rPr>
+              <a:t>Results Overview</a:t>
+            </a:r>
+          </a:p>
+        </p:txBody>
+      </p:sp>
+      <p:sp>
+        <p:nvSpPr>
+          <p:cNvPr id="4" name="Text Placeholder 3"/>
+          <p:cNvSpPr>
+            <a:spLocks noGrp="1"/>
+          </p:cNvSpPr>
+          <p:nvPr>
+            <p:ph type="body" sz="half" idx="2"/>
+          </p:nvPr>
+        </p:nvSpPr>
+        <p:spPr>
+          <a:xfrm>
+            <a:off x="8029319" y="917725"/>
+            <a:ext cx="3424739" cy="4852362"/>
+          </a:xfrm>
+        </p:spPr>
+        <p:txBody>
+          <a:bodyPr vert="horz" lIns="45720" tIns="45720" rIns="45720" bIns="45720" rtlCol="0" anchor="ctr">
+            <a:normAutofit/>
+          </a:bodyPr>
+          <a:lstStyle/>
+          <a:p>
+            <a:pPr>
+              <a:lnSpc>
+                <a:spcPct val="90000"/>
+              </a:lnSpc>
+            </a:pPr>
+            <a:r>
+              <a:rPr lang="en-US" dirty="0">
+                <a:solidFill>
+                  <a:srgbClr val="FFFFFF"/>
+                </a:solidFill>
+              </a:rPr>
+              <a:t>Visualization of </a:t>
+            </a:r>
+            <a:r>
+              <a:rPr lang="en-US" b="1" dirty="0">
+                <a:solidFill>
+                  <a:srgbClr val="FFFFFF"/>
+                </a:solidFill>
+              </a:rPr>
+              <a:t>Test set 1 – part 1</a:t>
+            </a:r>
+          </a:p>
+        </p:txBody>
+      </p:sp>
+    </p:spTree>
+    <p:extLst>
+      <p:ext uri="{BB962C8B-B14F-4D97-AF65-F5344CB8AC3E}">
+        <p14:creationId xmlns:p14="http://schemas.microsoft.com/office/powerpoint/2010/main" val="3233392834"/>
+      </p:ext>
+    </p:extLst>
+  </p:cSld>
+  <p:clrMapOvr>
+    <a:masterClrMapping/>
+  </p:clrMapOvr>
+</p:sld>
+</file>
+
+<file path=ppt/slides/slide12.xml><?xml version="1.0" encoding="utf-8"?>
+<p:sld xmlns:a="http://schemas.openxmlformats.org/drawingml/2006/main" xmlns:r="http://schemas.openxmlformats.org/officeDocument/2006/relationships" xmlns:p="http://schemas.openxmlformats.org/presentationml/2006/main">
+  <p:cSld>
+    <p:spTree>
+      <p:nvGrpSpPr>
+        <p:cNvPr id="1" name=""/>
+        <p:cNvGrpSpPr/>
+        <p:nvPr/>
+      </p:nvGrpSpPr>
+      <p:grpSpPr>
+        <a:xfrm>
+          <a:off x="0" y="0"/>
+          <a:ext cx="0" cy="0"/>
+          <a:chOff x="0" y="0"/>
+          <a:chExt cx="0" cy="0"/>
+        </a:xfrm>
+      </p:grpSpPr>
+      <p:pic>
+        <p:nvPicPr>
+          <p:cNvPr id="7" name="Content Placeholder 3"/>
+          <p:cNvPicPr>
+            <a:picLocks noChangeAspect="1"/>
+          </p:cNvPicPr>
+          <p:nvPr/>
+        </p:nvPicPr>
+        <p:blipFill>
+          <a:blip r:embed="rId2"/>
+          <a:stretch>
+            <a:fillRect/>
+          </a:stretch>
+        </p:blipFill>
+        <p:spPr>
+          <a:xfrm>
+            <a:off x="4642342" y="1278394"/>
+            <a:ext cx="6909577" cy="4301211"/>
+          </a:xfrm>
+          <a:prstGeom prst="rect">
+            <a:avLst/>
+          </a:prstGeom>
+        </p:spPr>
+      </p:pic>
+      <p:sp>
+        <p:nvSpPr>
+          <p:cNvPr id="2" name="Title 1"/>
+          <p:cNvSpPr>
+            <a:spLocks noGrp="1"/>
+          </p:cNvSpPr>
+          <p:nvPr>
+            <p:ph type="title"/>
+          </p:nvPr>
+        </p:nvSpPr>
+        <p:spPr>
+          <a:xfrm>
+            <a:off x="1024128" y="585216"/>
+            <a:ext cx="3133581" cy="1499616"/>
+          </a:xfrm>
+        </p:spPr>
+        <p:txBody>
+          <a:bodyPr>
+            <a:normAutofit/>
+          </a:bodyPr>
+          <a:lstStyle/>
+          <a:p>
+            <a:r>
+              <a:rPr lang="en-US" sz="4000" dirty="0"/>
+              <a:t>Test 1 - 2</a:t>
+            </a:r>
+          </a:p>
+        </p:txBody>
+      </p:sp>
+      <p:sp>
+        <p:nvSpPr>
+          <p:cNvPr id="9" name="Content Placeholder 8"/>
+          <p:cNvSpPr>
+            <a:spLocks noGrp="1"/>
+          </p:cNvSpPr>
+          <p:nvPr>
+            <p:ph idx="1"/>
+          </p:nvPr>
+        </p:nvSpPr>
+        <p:spPr>
+          <a:xfrm>
+            <a:off x="1024128" y="2286000"/>
+            <a:ext cx="3133580" cy="3931920"/>
+          </a:xfrm>
+        </p:spPr>
+        <p:txBody>
+          <a:bodyPr>
+            <a:normAutofit/>
+          </a:bodyPr>
+          <a:lstStyle/>
+          <a:p>
+            <a:endParaRPr lang="en-US" sz="1600"/>
+          </a:p>
+        </p:txBody>
+      </p:sp>
+    </p:spTree>
+    <p:extLst>
+      <p:ext uri="{BB962C8B-B14F-4D97-AF65-F5344CB8AC3E}">
+        <p14:creationId xmlns:p14="http://schemas.microsoft.com/office/powerpoint/2010/main" val="1981575334"/>
+      </p:ext>
+    </p:extLst>
+  </p:cSld>
+  <p:clrMapOvr>
+    <a:masterClrMapping/>
+  </p:clrMapOvr>
+</p:sld>
+</file>
+
+<file path=ppt/slides/slide13.xml><?xml version="1.0" encoding="utf-8"?>
+<p:sld xmlns:a="http://schemas.openxmlformats.org/drawingml/2006/main" xmlns:r="http://schemas.openxmlformats.org/officeDocument/2006/relationships" xmlns:p="http://schemas.openxmlformats.org/presentationml/2006/main">
+  <p:cSld>
+    <p:spTree>
+      <p:nvGrpSpPr>
+        <p:cNvPr id="1" name=""/>
+        <p:cNvGrpSpPr/>
+        <p:nvPr/>
+      </p:nvGrpSpPr>
+      <p:grpSpPr>
+        <a:xfrm>
+          <a:off x="0" y="0"/>
+          <a:ext cx="0" cy="0"/>
+          <a:chOff x="0" y="0"/>
+          <a:chExt cx="0" cy="0"/>
+        </a:xfrm>
+      </p:grpSpPr>
+      <p:pic>
+        <p:nvPicPr>
+          <p:cNvPr id="7" name="Content Placeholder 3"/>
+          <p:cNvPicPr>
+            <a:picLocks noChangeAspect="1"/>
+          </p:cNvPicPr>
+          <p:nvPr/>
+        </p:nvPicPr>
+        <p:blipFill>
+          <a:blip r:embed="rId2"/>
+          <a:stretch>
+            <a:fillRect/>
+          </a:stretch>
+        </p:blipFill>
+        <p:spPr>
+          <a:xfrm>
+            <a:off x="4642342" y="1192025"/>
+            <a:ext cx="6909577" cy="4473950"/>
+          </a:xfrm>
+          <a:prstGeom prst="rect">
+            <a:avLst/>
+          </a:prstGeom>
+        </p:spPr>
+      </p:pic>
+      <p:sp>
+        <p:nvSpPr>
+          <p:cNvPr id="2" name="Title 1"/>
+          <p:cNvSpPr>
+            <a:spLocks noGrp="1"/>
+          </p:cNvSpPr>
+          <p:nvPr>
+            <p:ph type="title"/>
+          </p:nvPr>
+        </p:nvSpPr>
+        <p:spPr>
+          <a:xfrm>
+            <a:off x="1024128" y="585216"/>
+            <a:ext cx="3133581" cy="1499616"/>
+          </a:xfrm>
+        </p:spPr>
+        <p:txBody>
+          <a:bodyPr>
+            <a:normAutofit/>
+          </a:bodyPr>
+          <a:lstStyle/>
+          <a:p>
+            <a:r>
+              <a:rPr lang="en-US" sz="4000" dirty="0"/>
+              <a:t>Test 1 - 2</a:t>
+            </a:r>
+          </a:p>
+        </p:txBody>
+      </p:sp>
+      <p:sp>
+        <p:nvSpPr>
+          <p:cNvPr id="9" name="Content Placeholder 8"/>
+          <p:cNvSpPr>
+            <a:spLocks noGrp="1"/>
+          </p:cNvSpPr>
+          <p:nvPr>
+            <p:ph idx="1"/>
+          </p:nvPr>
+        </p:nvSpPr>
+        <p:spPr>
+          <a:xfrm>
+            <a:off x="1024128" y="2286000"/>
+            <a:ext cx="3133580" cy="3931920"/>
+          </a:xfrm>
+        </p:spPr>
+        <p:txBody>
+          <a:bodyPr>
+            <a:normAutofit/>
+          </a:bodyPr>
+          <a:lstStyle/>
+          <a:p>
+            <a:endParaRPr lang="en-US" sz="1600"/>
+          </a:p>
+        </p:txBody>
+      </p:sp>
+    </p:spTree>
+    <p:extLst>
+      <p:ext uri="{BB962C8B-B14F-4D97-AF65-F5344CB8AC3E}">
+        <p14:creationId xmlns:p14="http://schemas.microsoft.com/office/powerpoint/2010/main" val="3932627958"/>
+      </p:ext>
+    </p:extLst>
+  </p:cSld>
+  <p:clrMapOvr>
+    <a:masterClrMapping/>
+  </p:clrMapOvr>
+</p:sld>
+</file>
+
+<file path=ppt/slides/slide14.xml><?xml version="1.0" encoding="utf-8"?>
+<p:sld xmlns:a="http://schemas.openxmlformats.org/drawingml/2006/main" xmlns:r="http://schemas.openxmlformats.org/officeDocument/2006/relationships" xmlns:p="http://schemas.openxmlformats.org/presentationml/2006/main">
+  <p:cSld>
+    <p:spTree>
+      <p:nvGrpSpPr>
+        <p:cNvPr id="1" name=""/>
+        <p:cNvGrpSpPr/>
+        <p:nvPr/>
+      </p:nvGrpSpPr>
+      <p:grpSpPr>
+        <a:xfrm>
+          <a:off x="0" y="0"/>
+          <a:ext cx="0" cy="0"/>
+          <a:chOff x="0" y="0"/>
+          <a:chExt cx="0" cy="0"/>
+        </a:xfrm>
+      </p:grpSpPr>
+      <p:pic>
+        <p:nvPicPr>
+          <p:cNvPr id="21" name="Content Placeholder 3"/>
+          <p:cNvPicPr>
+            <a:picLocks noChangeAspect="1"/>
+          </p:cNvPicPr>
+          <p:nvPr/>
+        </p:nvPicPr>
+        <p:blipFill>
+          <a:blip r:embed="rId2"/>
+          <a:stretch>
+            <a:fillRect/>
+          </a:stretch>
+        </p:blipFill>
+        <p:spPr>
+          <a:xfrm>
+            <a:off x="617317" y="1366345"/>
+            <a:ext cx="11040085" cy="2925621"/>
+          </a:xfrm>
+          <a:prstGeom prst="rect">
+            <a:avLst/>
+          </a:prstGeom>
+        </p:spPr>
+      </p:pic>
+      <p:sp>
+        <p:nvSpPr>
+          <p:cNvPr id="22" name="Content Placeholder 8"/>
+          <p:cNvSpPr>
+            <a:spLocks noGrp="1"/>
+          </p:cNvSpPr>
+          <p:nvPr>
+            <p:ph idx="1"/>
+          </p:nvPr>
+        </p:nvSpPr>
+        <p:spPr>
+          <a:xfrm>
+            <a:off x="1024128" y="5486400"/>
+            <a:ext cx="10226464" cy="731520"/>
+          </a:xfrm>
+        </p:spPr>
+        <p:txBody>
+          <a:bodyPr>
+            <a:normAutofit/>
+          </a:bodyPr>
+          <a:lstStyle/>
+          <a:p>
+            <a:endParaRPr lang="en-US" sz="1600" dirty="0"/>
+          </a:p>
+        </p:txBody>
+      </p:sp>
+    </p:spTree>
+    <p:extLst>
+      <p:ext uri="{BB962C8B-B14F-4D97-AF65-F5344CB8AC3E}">
+        <p14:creationId xmlns:p14="http://schemas.microsoft.com/office/powerpoint/2010/main" val="4267152764"/>
+      </p:ext>
+    </p:extLst>
+  </p:cSld>
+  <p:clrMapOvr>
+    <a:masterClrMapping/>
+  </p:clrMapOvr>
+</p:sld>
+</file>
+
+<file path=ppt/slides/slide15.xml><?xml version="1.0" encoding="utf-8"?>
+<p:sld xmlns:a="http://schemas.openxmlformats.org/drawingml/2006/main" xmlns:r="http://schemas.openxmlformats.org/officeDocument/2006/relationships" xmlns:p="http://schemas.openxmlformats.org/presentationml/2006/main">
+  <p:cSld>
+    <p:spTree>
+      <p:nvGrpSpPr>
+        <p:cNvPr id="1" name=""/>
+        <p:cNvGrpSpPr/>
+        <p:nvPr/>
+      </p:nvGrpSpPr>
+      <p:grpSpPr>
+        <a:xfrm>
+          <a:off x="0" y="0"/>
+          <a:ext cx="0" cy="0"/>
+          <a:chOff x="0" y="0"/>
+          <a:chExt cx="0" cy="0"/>
+        </a:xfrm>
+      </p:grpSpPr>
+      <p:pic>
+        <p:nvPicPr>
+          <p:cNvPr id="2" name="Content Placeholder 1"/>
+          <p:cNvPicPr>
+            <a:picLocks noGrp="1" noChangeAspect="1"/>
+          </p:cNvPicPr>
+          <p:nvPr>
+            <p:ph idx="1"/>
+          </p:nvPr>
+        </p:nvPicPr>
+        <p:blipFill>
+          <a:blip r:embed="rId2"/>
+          <a:stretch>
+            <a:fillRect/>
+          </a:stretch>
+        </p:blipFill>
+        <p:spPr>
+          <a:xfrm>
+            <a:off x="877659" y="1435261"/>
+            <a:ext cx="10290482" cy="2859052"/>
+          </a:xfrm>
+        </p:spPr>
+      </p:pic>
+    </p:spTree>
+    <p:extLst>
+      <p:ext uri="{BB962C8B-B14F-4D97-AF65-F5344CB8AC3E}">
+        <p14:creationId xmlns:p14="http://schemas.microsoft.com/office/powerpoint/2010/main" val="3255947329"/>
+      </p:ext>
+    </p:extLst>
+  </p:cSld>
+  <p:clrMapOvr>
+    <a:masterClrMapping/>
+  </p:clrMapOvr>
+</p:sld>
+</file>
+
+<file path=ppt/slides/slide16.xml><?xml version="1.0" encoding="utf-8"?>
+<p:sld xmlns:a="http://schemas.openxmlformats.org/drawingml/2006/main" xmlns:r="http://schemas.openxmlformats.org/officeDocument/2006/relationships" xmlns:p="http://schemas.openxmlformats.org/presentationml/2006/main">
+  <p:cSld>
+    <p:spTree>
+      <p:nvGrpSpPr>
+        <p:cNvPr id="1" name=""/>
+        <p:cNvGrpSpPr/>
+        <p:nvPr/>
+      </p:nvGrpSpPr>
+      <p:grpSpPr>
+        <a:xfrm>
+          <a:off x="0" y="0"/>
+          <a:ext cx="0" cy="0"/>
+          <a:chOff x="0" y="0"/>
+          <a:chExt cx="0" cy="0"/>
+        </a:xfrm>
+      </p:grpSpPr>
+      <p:pic>
+        <p:nvPicPr>
+          <p:cNvPr id="4" name="Content Placeholder 3"/>
+          <p:cNvPicPr>
+            <a:picLocks noGrp="1" noChangeAspect="1"/>
+          </p:cNvPicPr>
+          <p:nvPr>
+            <p:ph idx="1"/>
+          </p:nvPr>
+        </p:nvPicPr>
+        <p:blipFill>
+          <a:blip r:embed="rId2"/>
+          <a:stretch>
+            <a:fillRect/>
+          </a:stretch>
+        </p:blipFill>
+        <p:spPr>
+          <a:xfrm>
+            <a:off x="2703795" y="304601"/>
+            <a:ext cx="7204134" cy="6184682"/>
+          </a:xfrm>
+        </p:spPr>
+      </p:pic>
+    </p:spTree>
+    <p:extLst>
+      <p:ext uri="{BB962C8B-B14F-4D97-AF65-F5344CB8AC3E}">
+        <p14:creationId xmlns:p14="http://schemas.microsoft.com/office/powerpoint/2010/main" val="3277866876"/>
+      </p:ext>
+    </p:extLst>
+  </p:cSld>
+  <p:clrMapOvr>
+    <a:masterClrMapping/>
+  </p:clrMapOvr>
+</p:sld>
+</file>
+
+<file path=ppt/slides/slide17.xml><?xml version="1.0" encoding="utf-8"?>
+<p:sld xmlns:a="http://schemas.openxmlformats.org/drawingml/2006/main" xmlns:r="http://schemas.openxmlformats.org/officeDocument/2006/relationships" xmlns:p="http://schemas.openxmlformats.org/presentationml/2006/main">
+  <p:cSld>
+    <p:spTree>
+      <p:nvGrpSpPr>
+        <p:cNvPr id="1" name=""/>
+        <p:cNvGrpSpPr/>
+        <p:nvPr/>
+      </p:nvGrpSpPr>
+      <p:grpSpPr>
+        <a:xfrm>
+          <a:off x="0" y="0"/>
+          <a:ext cx="0" cy="0"/>
+          <a:chOff x="0" y="0"/>
+          <a:chExt cx="0" cy="0"/>
+        </a:xfrm>
+      </p:grpSpPr>
+      <p:pic>
+        <p:nvPicPr>
+          <p:cNvPr id="4" name="Content Placeholder 3"/>
+          <p:cNvPicPr>
+            <a:picLocks noGrp="1" noChangeAspect="1"/>
+          </p:cNvPicPr>
+          <p:nvPr>
+            <p:ph idx="1"/>
+          </p:nvPr>
+        </p:nvPicPr>
+        <p:blipFill>
+          <a:blip r:embed="rId2"/>
+          <a:stretch>
+            <a:fillRect/>
+          </a:stretch>
+        </p:blipFill>
+        <p:spPr>
+          <a:xfrm>
+            <a:off x="4293897" y="1450681"/>
+            <a:ext cx="3368143" cy="4232802"/>
+          </a:xfrm>
+        </p:spPr>
+      </p:pic>
+      <p:pic>
+        <p:nvPicPr>
+          <p:cNvPr id="5" name="Picture 4"/>
+          <p:cNvPicPr>
+            <a:picLocks noChangeAspect="1"/>
+          </p:cNvPicPr>
+          <p:nvPr/>
+        </p:nvPicPr>
+        <p:blipFill>
+          <a:blip r:embed="rId3"/>
+          <a:stretch>
+            <a:fillRect/>
+          </a:stretch>
+        </p:blipFill>
+        <p:spPr>
+          <a:xfrm>
+            <a:off x="8044742" y="1450681"/>
+            <a:ext cx="3398856" cy="4174142"/>
+          </a:xfrm>
+          <a:prstGeom prst="rect">
+            <a:avLst/>
+          </a:prstGeom>
+        </p:spPr>
+      </p:pic>
+      <p:pic>
+        <p:nvPicPr>
+          <p:cNvPr id="6" name="Picture 5"/>
+          <p:cNvPicPr>
+            <a:picLocks noChangeAspect="1"/>
+          </p:cNvPicPr>
+          <p:nvPr/>
+        </p:nvPicPr>
+        <p:blipFill>
+          <a:blip r:embed="rId4"/>
+          <a:stretch>
+            <a:fillRect/>
+          </a:stretch>
+        </p:blipFill>
+        <p:spPr>
+          <a:xfrm>
+            <a:off x="474264" y="1450681"/>
+            <a:ext cx="3269770" cy="3931073"/>
+          </a:xfrm>
+          <a:prstGeom prst="rect">
+            <a:avLst/>
+          </a:prstGeom>
+        </p:spPr>
+      </p:pic>
+    </p:spTree>
+    <p:extLst>
+      <p:ext uri="{BB962C8B-B14F-4D97-AF65-F5344CB8AC3E}">
+        <p14:creationId xmlns:p14="http://schemas.microsoft.com/office/powerpoint/2010/main" val="1395379059"/>
+      </p:ext>
+    </p:extLst>
+  </p:cSld>
+  <p:clrMapOvr>
+    <a:masterClrMapping/>
+  </p:clrMapOvr>
+</p:sld>
+</file>
+
+<file path=ppt/slides/slide18.xml><?xml version="1.0" encoding="utf-8"?>
+<p:sld xmlns:a="http://schemas.openxmlformats.org/drawingml/2006/main" xmlns:r="http://schemas.openxmlformats.org/officeDocument/2006/relationships" xmlns:p="http://schemas.openxmlformats.org/presentationml/2006/main">
+  <p:cSld>
+    <p:spTree>
+      <p:nvGrpSpPr>
+        <p:cNvPr id="1" name=""/>
+        <p:cNvGrpSpPr/>
+        <p:nvPr/>
+      </p:nvGrpSpPr>
+      <p:grpSpPr>
+        <a:xfrm>
+          <a:off x="0" y="0"/>
+          <a:ext cx="0" cy="0"/>
+          <a:chOff x="0" y="0"/>
+          <a:chExt cx="0" cy="0"/>
+        </a:xfrm>
+      </p:grpSpPr>
+      <p:sp>
+        <p:nvSpPr>
+          <p:cNvPr id="2" name="Title 1"/>
+          <p:cNvSpPr>
+            <a:spLocks noGrp="1"/>
+          </p:cNvSpPr>
+          <p:nvPr>
+            <p:ph type="title"/>
+          </p:nvPr>
+        </p:nvSpPr>
+        <p:spPr/>
+        <p:txBody>
+          <a:bodyPr/>
+          <a:lstStyle/>
+          <a:p>
+            <a:endParaRPr lang="en-US"/>
+          </a:p>
+        </p:txBody>
+      </p:sp>
+      <p:sp>
+        <p:nvSpPr>
+          <p:cNvPr id="3" name="Content Placeholder 2"/>
+          <p:cNvSpPr>
+            <a:spLocks noGrp="1"/>
+          </p:cNvSpPr>
+          <p:nvPr>
+            <p:ph idx="1"/>
+          </p:nvPr>
+        </p:nvSpPr>
+        <p:spPr/>
+        <p:txBody>
+          <a:bodyPr/>
+          <a:lstStyle/>
+          <a:p>
+            <a:endParaRPr lang="en-US"/>
+          </a:p>
+        </p:txBody>
+      </p:sp>
+    </p:spTree>
+    <p:extLst>
+      <p:ext uri="{BB962C8B-B14F-4D97-AF65-F5344CB8AC3E}">
+        <p14:creationId xmlns:p14="http://schemas.microsoft.com/office/powerpoint/2010/main" val="1008638251"/>
+      </p:ext>
+    </p:extLst>
+  </p:cSld>
+  <p:clrMapOvr>
+    <a:masterClrMapping/>
+  </p:clrMapOvr>
+</p:sld>
+</file>
+
 <file path=ppt/slides/slide2.xml><?xml version="1.0" encoding="utf-8"?>
 <p:sld xmlns:a="http://schemas.openxmlformats.org/drawingml/2006/main" xmlns:r="http://schemas.openxmlformats.org/officeDocument/2006/relationships" xmlns:p="http://schemas.openxmlformats.org/presentationml/2006/main">
   <p:cSld>
@@ -21357,7 +22567,49 @@
           </a:bodyPr>
           <a:lstStyle/>
           <a:p>
+            <a:pPr marL="0" indent="0">
+              <a:buNone/>
+            </a:pPr>
+            <a:r>
+              <a:rPr lang="en-US" sz="1600" dirty="0"/>
+              <a:t>The cars are split into two models:</a:t>
+            </a:r>
+          </a:p>
+          <a:p>
+            <a:pPr>
+              <a:buFont typeface="Arial" panose="020B0604020202020204" pitchFamily="34" charset="0"/>
+              <a:buChar char="•"/>
+            </a:pPr>
+            <a:r>
+              <a:rPr lang="en-US" sz="1600" dirty="0"/>
+              <a:t>The Unity Physics car</a:t>
+            </a:r>
+          </a:p>
+          <a:p>
+            <a:pPr>
+              <a:buFont typeface="Arial" panose="020B0604020202020204" pitchFamily="34" charset="0"/>
+              <a:buChar char="•"/>
+            </a:pPr>
+            <a:r>
+              <a:rPr lang="en-US" sz="1600" dirty="0"/>
+              <a:t>The VR tracked car</a:t>
+            </a:r>
+          </a:p>
+          <a:p>
+            <a:pPr>
+              <a:buFont typeface="Arial" panose="020B0604020202020204" pitchFamily="34" charset="0"/>
+              <a:buChar char="•"/>
+            </a:pPr>
             <a:endParaRPr lang="en-US" sz="1600" dirty="0"/>
+          </a:p>
+          <a:p>
+            <a:pPr marL="0" indent="0">
+              <a:buNone/>
+            </a:pPr>
+            <a:r>
+              <a:rPr lang="en-US" sz="1600" dirty="0"/>
+              <a:t>The server collects data on movements of each, and a Bluetooth module sends out movement commands to the VR tracked car.</a:t>
+            </a:r>
           </a:p>
         </p:txBody>
       </p:sp>
@@ -21365,6 +22617,1569 @@
     <p:extLst>
       <p:ext uri="{BB962C8B-B14F-4D97-AF65-F5344CB8AC3E}">
         <p14:creationId xmlns:p14="http://schemas.microsoft.com/office/powerpoint/2010/main" val="1052918002"/>
+      </p:ext>
+    </p:extLst>
+  </p:cSld>
+  <p:clrMapOvr>
+    <a:masterClrMapping/>
+  </p:clrMapOvr>
+</p:sld>
+</file>
+
+<file path=ppt/slides/slide5.xml><?xml version="1.0" encoding="utf-8"?>
+<p:sld xmlns:a="http://schemas.openxmlformats.org/drawingml/2006/main" xmlns:r="http://schemas.openxmlformats.org/officeDocument/2006/relationships" xmlns:p="http://schemas.openxmlformats.org/presentationml/2006/main">
+  <p:cSld>
+    <p:spTree>
+      <p:nvGrpSpPr>
+        <p:cNvPr id="1" name=""/>
+        <p:cNvGrpSpPr/>
+        <p:nvPr/>
+      </p:nvGrpSpPr>
+      <p:grpSpPr>
+        <a:xfrm>
+          <a:off x="0" y="0"/>
+          <a:ext cx="0" cy="0"/>
+          <a:chOff x="0" y="0"/>
+          <a:chExt cx="0" cy="0"/>
+        </a:xfrm>
+      </p:grpSpPr>
+      <p:sp>
+        <p:nvSpPr>
+          <p:cNvPr id="17" name="Rectangle 16"/>
+          <p:cNvSpPr>
+            <a:spLocks noGrp="1" noRot="1" noChangeAspect="1" noMove="1" noResize="1" noEditPoints="1" noAdjustHandles="1" noChangeArrowheads="1" noChangeShapeType="1" noTextEdit="1"/>
+          </p:cNvSpPr>
+          <p:nvPr>
+            <p:extLst>
+              <p:ext uri="{386F3935-93C4-4BCD-93E2-E3B085C9AB24}">
+                <p16:designElem xmlns:p16="http://schemas.microsoft.com/office/powerpoint/2015/main" val="1"/>
+              </p:ext>
+            </p:extLst>
+          </p:nvPr>
+        </p:nvSpPr>
+        <p:spPr bwMode="white">
+          <a:xfrm>
+            <a:off x="0" y="0"/>
+            <a:ext cx="12192000" cy="6858000"/>
+          </a:xfrm>
+          <a:prstGeom prst="rect">
+            <a:avLst/>
+          </a:prstGeom>
+          <a:solidFill>
+            <a:schemeClr val="bg1"/>
+          </a:solidFill>
+          <a:ln>
+            <a:noFill/>
+          </a:ln>
+          <a:effectLst/>
+        </p:spPr>
+      </p:sp>
+      <p:cxnSp>
+        <p:nvCxnSpPr>
+          <p:cNvPr id="19" name="Straight Connector 18"/>
+          <p:cNvCxnSpPr>
+            <a:cxnSpLocks noGrp="1" noRot="1" noChangeAspect="1" noMove="1" noResize="1" noEditPoints="1" noAdjustHandles="1" noChangeArrowheads="1" noChangeShapeType="1"/>
+          </p:cNvCxnSpPr>
+          <p:nvPr>
+            <p:extLst>
+              <p:ext uri="{386F3935-93C4-4BCD-93E2-E3B085C9AB24}">
+                <p16:designElem xmlns:p16="http://schemas.microsoft.com/office/powerpoint/2015/main" val="1"/>
+              </p:ext>
+            </p:extLst>
+          </p:nvPr>
+        </p:nvCxnSpPr>
+        <p:spPr>
+          <a:xfrm flipV="1">
+            <a:off x="762000" y="826324"/>
+            <a:ext cx="0" cy="914400"/>
+          </a:xfrm>
+          <a:prstGeom prst="line">
+            <a:avLst/>
+          </a:prstGeom>
+          <a:ln w="19050">
+            <a:solidFill>
+              <a:schemeClr val="accent1"/>
+            </a:solidFill>
+          </a:ln>
+        </p:spPr>
+        <p:style>
+          <a:lnRef idx="1">
+            <a:schemeClr val="accent1"/>
+          </a:lnRef>
+          <a:fillRef idx="0">
+            <a:schemeClr val="accent1"/>
+          </a:fillRef>
+          <a:effectRef idx="0">
+            <a:schemeClr val="accent1"/>
+          </a:effectRef>
+          <a:fontRef idx="minor">
+            <a:schemeClr val="tx1"/>
+          </a:fontRef>
+        </p:style>
+      </p:cxnSp>
+      <p:sp>
+        <p:nvSpPr>
+          <p:cNvPr id="21" name="Rectangle 20"/>
+          <p:cNvSpPr>
+            <a:spLocks noGrp="1" noRot="1" noChangeAspect="1" noMove="1" noResize="1" noEditPoints="1" noAdjustHandles="1" noChangeArrowheads="1" noChangeShapeType="1" noTextEdit="1"/>
+          </p:cNvSpPr>
+          <p:nvPr>
+            <p:extLst>
+              <p:ext uri="{386F3935-93C4-4BCD-93E2-E3B085C9AB24}">
+                <p16:designElem xmlns:p16="http://schemas.microsoft.com/office/powerpoint/2015/main" val="1"/>
+              </p:ext>
+            </p:extLst>
+          </p:nvPr>
+        </p:nvSpPr>
+        <p:spPr>
+          <a:xfrm>
+            <a:off x="0" y="0"/>
+            <a:ext cx="6095998" cy="6858000"/>
+          </a:xfrm>
+          <a:prstGeom prst="rect">
+            <a:avLst/>
+          </a:prstGeom>
+          <a:solidFill>
+            <a:schemeClr val="bg2"/>
+          </a:solidFill>
+          <a:ln>
+            <a:noFill/>
+          </a:ln>
+        </p:spPr>
+        <p:style>
+          <a:lnRef idx="2">
+            <a:schemeClr val="accent1">
+              <a:shade val="50000"/>
+            </a:schemeClr>
+          </a:lnRef>
+          <a:fillRef idx="1">
+            <a:schemeClr val="accent1"/>
+          </a:fillRef>
+          <a:effectRef idx="0">
+            <a:schemeClr val="accent1"/>
+          </a:effectRef>
+          <a:fontRef idx="minor">
+            <a:schemeClr val="lt1"/>
+          </a:fontRef>
+        </p:style>
+        <p:txBody>
+          <a:bodyPr rtlCol="0" anchor="ctr"/>
+          <a:lstStyle/>
+          <a:p>
+            <a:pPr algn="ctr"/>
+            <a:endParaRPr lang="en-US"/>
+          </a:p>
+        </p:txBody>
+      </p:sp>
+      <p:pic>
+        <p:nvPicPr>
+          <p:cNvPr id="5" name="Content Placeholder 4"/>
+          <p:cNvPicPr>
+            <a:picLocks noGrp="1" noChangeAspect="1"/>
+          </p:cNvPicPr>
+          <p:nvPr>
+            <p:ph idx="1"/>
+          </p:nvPr>
+        </p:nvPicPr>
+        <p:blipFill>
+          <a:blip r:embed="rId2"/>
+          <a:stretch>
+            <a:fillRect/>
+          </a:stretch>
+        </p:blipFill>
+        <p:spPr>
+          <a:xfrm>
+            <a:off x="7056116" y="1342665"/>
+            <a:ext cx="4175762" cy="4175762"/>
+          </a:xfrm>
+          <a:prstGeom prst="rect">
+            <a:avLst/>
+          </a:prstGeom>
+        </p:spPr>
+      </p:pic>
+      <p:cxnSp>
+        <p:nvCxnSpPr>
+          <p:cNvPr id="23" name="Straight Connector 22"/>
+          <p:cNvCxnSpPr>
+            <a:cxnSpLocks noGrp="1" noRot="1" noChangeAspect="1" noMove="1" noResize="1" noEditPoints="1" noAdjustHandles="1" noChangeArrowheads="1" noChangeShapeType="1"/>
+          </p:cNvCxnSpPr>
+          <p:nvPr>
+            <p:extLst>
+              <p:ext uri="{386F3935-93C4-4BCD-93E2-E3B085C9AB24}">
+                <p16:designElem xmlns:p16="http://schemas.microsoft.com/office/powerpoint/2015/main" val="1"/>
+              </p:ext>
+            </p:extLst>
+          </p:nvPr>
+        </p:nvCxnSpPr>
+        <p:spPr>
+          <a:xfrm flipV="1">
+            <a:off x="762000" y="826324"/>
+            <a:ext cx="0" cy="914400"/>
+          </a:xfrm>
+          <a:prstGeom prst="line">
+            <a:avLst/>
+          </a:prstGeom>
+          <a:ln w="19050">
+            <a:solidFill>
+              <a:schemeClr val="accent1"/>
+            </a:solidFill>
+          </a:ln>
+        </p:spPr>
+        <p:style>
+          <a:lnRef idx="1">
+            <a:schemeClr val="accent1"/>
+          </a:lnRef>
+          <a:fillRef idx="0">
+            <a:schemeClr val="accent1"/>
+          </a:fillRef>
+          <a:effectRef idx="0">
+            <a:schemeClr val="accent1"/>
+          </a:effectRef>
+          <a:fontRef idx="minor">
+            <a:schemeClr val="tx1"/>
+          </a:fontRef>
+        </p:style>
+      </p:cxnSp>
+      <p:sp>
+        <p:nvSpPr>
+          <p:cNvPr id="2" name="Title 1"/>
+          <p:cNvSpPr>
+            <a:spLocks noGrp="1"/>
+          </p:cNvSpPr>
+          <p:nvPr>
+            <p:ph type="title"/>
+          </p:nvPr>
+        </p:nvSpPr>
+        <p:spPr>
+          <a:xfrm>
+            <a:off x="1024128" y="459317"/>
+            <a:ext cx="4389120" cy="1749552"/>
+          </a:xfrm>
+        </p:spPr>
+        <p:txBody>
+          <a:bodyPr vert="horz" lIns="91440" tIns="45720" rIns="91440" bIns="45720" rtlCol="0" anchor="ctr">
+            <a:normAutofit/>
+          </a:bodyPr>
+          <a:lstStyle/>
+          <a:p>
+            <a:r>
+              <a:rPr lang="en-US" sz="4400"/>
+              <a:t>Network design</a:t>
+            </a:r>
+          </a:p>
+        </p:txBody>
+      </p:sp>
+      <p:sp>
+        <p:nvSpPr>
+          <p:cNvPr id="4" name="Text Placeholder 3"/>
+          <p:cNvSpPr>
+            <a:spLocks noGrp="1"/>
+          </p:cNvSpPr>
+          <p:nvPr>
+            <p:ph type="body" sz="half" idx="2"/>
+          </p:nvPr>
+        </p:nvSpPr>
+        <p:spPr>
+          <a:xfrm>
+            <a:off x="1024129" y="2286000"/>
+            <a:ext cx="4389120" cy="3931920"/>
+          </a:xfrm>
+        </p:spPr>
+        <p:txBody>
+          <a:bodyPr vert="horz" lIns="45720" tIns="45720" rIns="45720" bIns="45720" rtlCol="0">
+            <a:normAutofit/>
+          </a:bodyPr>
+          <a:lstStyle/>
+          <a:p>
+            <a:pPr>
+              <a:lnSpc>
+                <a:spcPct val="90000"/>
+              </a:lnSpc>
+            </a:pPr>
+            <a:r>
+              <a:rPr lang="en-US" sz="1800"/>
+              <a:t>The network topology allows for simultaneous data collection. The actuation controller passes commands to both the Unity Physics robot and the Bluetooth socket while collecting data at the same time.</a:t>
+            </a:r>
+          </a:p>
+        </p:txBody>
+      </p:sp>
+    </p:spTree>
+    <p:extLst>
+      <p:ext uri="{BB962C8B-B14F-4D97-AF65-F5344CB8AC3E}">
+        <p14:creationId xmlns:p14="http://schemas.microsoft.com/office/powerpoint/2010/main" val="2682091097"/>
+      </p:ext>
+    </p:extLst>
+  </p:cSld>
+  <p:clrMapOvr>
+    <a:masterClrMapping/>
+  </p:clrMapOvr>
+</p:sld>
+</file>
+
+<file path=ppt/slides/slide6.xml><?xml version="1.0" encoding="utf-8"?>
+<p:sld xmlns:a="http://schemas.openxmlformats.org/drawingml/2006/main" xmlns:r="http://schemas.openxmlformats.org/officeDocument/2006/relationships" xmlns:p="http://schemas.openxmlformats.org/presentationml/2006/main">
+  <p:cSld>
+    <p:spTree>
+      <p:nvGrpSpPr>
+        <p:cNvPr id="1" name=""/>
+        <p:cNvGrpSpPr/>
+        <p:nvPr/>
+      </p:nvGrpSpPr>
+      <p:grpSpPr>
+        <a:xfrm>
+          <a:off x="0" y="0"/>
+          <a:ext cx="0" cy="0"/>
+          <a:chOff x="0" y="0"/>
+          <a:chExt cx="0" cy="0"/>
+        </a:xfrm>
+      </p:grpSpPr>
+      <p:sp>
+        <p:nvSpPr>
+          <p:cNvPr id="10" name="Rectangle 9"/>
+          <p:cNvSpPr>
+            <a:spLocks noGrp="1" noRot="1" noChangeAspect="1" noMove="1" noResize="1" noEditPoints="1" noAdjustHandles="1" noChangeArrowheads="1" noChangeShapeType="1" noTextEdit="1"/>
+          </p:cNvSpPr>
+          <p:nvPr>
+            <p:extLst>
+              <p:ext uri="{386F3935-93C4-4BCD-93E2-E3B085C9AB24}">
+                <p16:designElem xmlns:p16="http://schemas.microsoft.com/office/powerpoint/2015/main" val="1"/>
+              </p:ext>
+            </p:extLst>
+          </p:nvPr>
+        </p:nvSpPr>
+        <p:spPr bwMode="white">
+          <a:xfrm>
+            <a:off x="0" y="0"/>
+            <a:ext cx="12192000" cy="6858000"/>
+          </a:xfrm>
+          <a:prstGeom prst="rect">
+            <a:avLst/>
+          </a:prstGeom>
+          <a:solidFill>
+            <a:schemeClr val="bg1"/>
+          </a:solidFill>
+          <a:ln>
+            <a:noFill/>
+          </a:ln>
+          <a:effectLst/>
+        </p:spPr>
+      </p:sp>
+      <p:cxnSp>
+        <p:nvCxnSpPr>
+          <p:cNvPr id="12" name="Straight Connector 11"/>
+          <p:cNvCxnSpPr>
+            <a:cxnSpLocks noGrp="1" noRot="1" noChangeAspect="1" noMove="1" noResize="1" noEditPoints="1" noAdjustHandles="1" noChangeArrowheads="1" noChangeShapeType="1"/>
+          </p:cNvCxnSpPr>
+          <p:nvPr>
+            <p:extLst>
+              <p:ext uri="{386F3935-93C4-4BCD-93E2-E3B085C9AB24}">
+                <p16:designElem xmlns:p16="http://schemas.microsoft.com/office/powerpoint/2015/main" val="1"/>
+              </p:ext>
+            </p:extLst>
+          </p:nvPr>
+        </p:nvCxnSpPr>
+        <p:spPr>
+          <a:xfrm flipV="1">
+            <a:off x="762000" y="826324"/>
+            <a:ext cx="0" cy="914400"/>
+          </a:xfrm>
+          <a:prstGeom prst="line">
+            <a:avLst/>
+          </a:prstGeom>
+          <a:ln w="19050">
+            <a:solidFill>
+              <a:schemeClr val="accent1"/>
+            </a:solidFill>
+          </a:ln>
+        </p:spPr>
+        <p:style>
+          <a:lnRef idx="1">
+            <a:schemeClr val="accent1"/>
+          </a:lnRef>
+          <a:fillRef idx="0">
+            <a:schemeClr val="accent1"/>
+          </a:fillRef>
+          <a:effectRef idx="0">
+            <a:schemeClr val="accent1"/>
+          </a:effectRef>
+          <a:fontRef idx="minor">
+            <a:schemeClr val="tx1"/>
+          </a:fontRef>
+        </p:style>
+      </p:cxnSp>
+      <p:sp>
+        <p:nvSpPr>
+          <p:cNvPr id="14" name="Rectangle 13"/>
+          <p:cNvSpPr>
+            <a:spLocks noGrp="1" noRot="1" noChangeAspect="1" noMove="1" noResize="1" noEditPoints="1" noAdjustHandles="1" noChangeArrowheads="1" noChangeShapeType="1" noTextEdit="1"/>
+          </p:cNvSpPr>
+          <p:nvPr>
+            <p:extLst>
+              <p:ext uri="{386F3935-93C4-4BCD-93E2-E3B085C9AB24}">
+                <p16:designElem xmlns:p16="http://schemas.microsoft.com/office/powerpoint/2015/main" val="1"/>
+              </p:ext>
+            </p:extLst>
+          </p:nvPr>
+        </p:nvSpPr>
+        <p:spPr>
+          <a:xfrm>
+            <a:off x="0" y="0"/>
+            <a:ext cx="5468548" cy="6858000"/>
+          </a:xfrm>
+          <a:prstGeom prst="rect">
+            <a:avLst/>
+          </a:prstGeom>
+          <a:solidFill>
+            <a:srgbClr val="584626"/>
+          </a:solidFill>
+          <a:ln>
+            <a:noFill/>
+          </a:ln>
+        </p:spPr>
+        <p:style>
+          <a:lnRef idx="2">
+            <a:schemeClr val="accent1">
+              <a:shade val="50000"/>
+            </a:schemeClr>
+          </a:lnRef>
+          <a:fillRef idx="1">
+            <a:schemeClr val="accent1"/>
+          </a:fillRef>
+          <a:effectRef idx="0">
+            <a:schemeClr val="accent1"/>
+          </a:effectRef>
+          <a:fontRef idx="minor">
+            <a:schemeClr val="lt1"/>
+          </a:fontRef>
+        </p:style>
+        <p:txBody>
+          <a:bodyPr rtlCol="0" anchor="ctr"/>
+          <a:lstStyle/>
+          <a:p>
+            <a:pPr algn="ctr"/>
+            <a:endParaRPr lang="en-US"/>
+          </a:p>
+        </p:txBody>
+      </p:sp>
+      <p:pic>
+        <p:nvPicPr>
+          <p:cNvPr id="5" name="Content Placeholder 4"/>
+          <p:cNvPicPr>
+            <a:picLocks noGrp="1" noChangeAspect="1"/>
+          </p:cNvPicPr>
+          <p:nvPr>
+            <p:ph idx="1"/>
+          </p:nvPr>
+        </p:nvPicPr>
+        <p:blipFill rotWithShape="1">
+          <a:blip r:embed="rId2"/>
+          <a:srcRect l="17111" r="31291" b="-1"/>
+          <a:stretch/>
+        </p:blipFill>
+        <p:spPr>
+          <a:xfrm>
+            <a:off x="6096000" y="640080"/>
+            <a:ext cx="5455921" cy="5577840"/>
+          </a:xfrm>
+          <a:prstGeom prst="rect">
+            <a:avLst/>
+          </a:prstGeom>
+        </p:spPr>
+      </p:pic>
+      <p:cxnSp>
+        <p:nvCxnSpPr>
+          <p:cNvPr id="16" name="Straight Connector 15"/>
+          <p:cNvCxnSpPr>
+            <a:cxnSpLocks noGrp="1" noRot="1" noChangeAspect="1" noMove="1" noResize="1" noEditPoints="1" noAdjustHandles="1" noChangeArrowheads="1" noChangeShapeType="1"/>
+          </p:cNvCxnSpPr>
+          <p:nvPr>
+            <p:extLst>
+              <p:ext uri="{386F3935-93C4-4BCD-93E2-E3B085C9AB24}">
+                <p16:designElem xmlns:p16="http://schemas.microsoft.com/office/powerpoint/2015/main" val="1"/>
+              </p:ext>
+            </p:extLst>
+          </p:nvPr>
+        </p:nvCxnSpPr>
+        <p:spPr>
+          <a:xfrm flipV="1">
+            <a:off x="762000" y="826324"/>
+            <a:ext cx="0" cy="914400"/>
+          </a:xfrm>
+          <a:prstGeom prst="line">
+            <a:avLst/>
+          </a:prstGeom>
+          <a:ln w="19050">
+            <a:solidFill>
+              <a:schemeClr val="accent1">
+                <a:lumMod val="20000"/>
+                <a:lumOff val="80000"/>
+              </a:schemeClr>
+            </a:solidFill>
+          </a:ln>
+        </p:spPr>
+        <p:style>
+          <a:lnRef idx="1">
+            <a:schemeClr val="accent1"/>
+          </a:lnRef>
+          <a:fillRef idx="0">
+            <a:schemeClr val="accent1"/>
+          </a:fillRef>
+          <a:effectRef idx="0">
+            <a:schemeClr val="accent1"/>
+          </a:effectRef>
+          <a:fontRef idx="minor">
+            <a:schemeClr val="tx1"/>
+          </a:fontRef>
+        </p:style>
+      </p:cxnSp>
+      <p:sp>
+        <p:nvSpPr>
+          <p:cNvPr id="2" name="Title 1"/>
+          <p:cNvSpPr>
+            <a:spLocks noGrp="1"/>
+          </p:cNvSpPr>
+          <p:nvPr>
+            <p:ph type="title"/>
+          </p:nvPr>
+        </p:nvSpPr>
+        <p:spPr>
+          <a:xfrm>
+            <a:off x="1024129" y="585216"/>
+            <a:ext cx="3779085" cy="1499616"/>
+          </a:xfrm>
+        </p:spPr>
+        <p:txBody>
+          <a:bodyPr vert="horz" lIns="91440" tIns="45720" rIns="91440" bIns="45720" rtlCol="0" anchor="ctr">
+            <a:normAutofit/>
+          </a:bodyPr>
+          <a:lstStyle/>
+          <a:p>
+            <a:r>
+              <a:rPr lang="en-US" sz="5000" dirty="0">
+                <a:solidFill>
+                  <a:srgbClr val="FFFFFF"/>
+                </a:solidFill>
+              </a:rPr>
+              <a:t>Robot v1.0</a:t>
+            </a:r>
+          </a:p>
+        </p:txBody>
+      </p:sp>
+      <p:sp>
+        <p:nvSpPr>
+          <p:cNvPr id="4" name="Text Placeholder 3"/>
+          <p:cNvSpPr>
+            <a:spLocks noGrp="1"/>
+          </p:cNvSpPr>
+          <p:nvPr>
+            <p:ph type="body" sz="half" idx="2"/>
+          </p:nvPr>
+        </p:nvSpPr>
+        <p:spPr>
+          <a:xfrm>
+            <a:off x="1024129" y="2286000"/>
+            <a:ext cx="3791711" cy="3931920"/>
+          </a:xfrm>
+        </p:spPr>
+        <p:txBody>
+          <a:bodyPr vert="horz" lIns="45720" tIns="45720" rIns="45720" bIns="45720" rtlCol="0">
+            <a:normAutofit/>
+          </a:bodyPr>
+          <a:lstStyle/>
+          <a:p>
+            <a:pPr>
+              <a:lnSpc>
+                <a:spcPct val="90000"/>
+              </a:lnSpc>
+            </a:pPr>
+            <a:r>
+              <a:rPr lang="en-US" dirty="0">
+                <a:solidFill>
+                  <a:srgbClr val="FFFFFF"/>
+                </a:solidFill>
+              </a:rPr>
+              <a:t>Uses hand controller tied onto the robot.</a:t>
+            </a:r>
+          </a:p>
+        </p:txBody>
+      </p:sp>
+    </p:spTree>
+    <p:extLst>
+      <p:ext uri="{BB962C8B-B14F-4D97-AF65-F5344CB8AC3E}">
+        <p14:creationId xmlns:p14="http://schemas.microsoft.com/office/powerpoint/2010/main" val="3670364343"/>
+      </p:ext>
+    </p:extLst>
+  </p:cSld>
+  <p:clrMapOvr>
+    <a:masterClrMapping/>
+  </p:clrMapOvr>
+</p:sld>
+</file>
+
+<file path=ppt/slides/slide7.xml><?xml version="1.0" encoding="utf-8"?>
+<p:sld xmlns:a="http://schemas.openxmlformats.org/drawingml/2006/main" xmlns:r="http://schemas.openxmlformats.org/officeDocument/2006/relationships" xmlns:p="http://schemas.openxmlformats.org/presentationml/2006/main">
+  <p:cSld>
+    <p:spTree>
+      <p:nvGrpSpPr>
+        <p:cNvPr id="1" name=""/>
+        <p:cNvGrpSpPr/>
+        <p:nvPr/>
+      </p:nvGrpSpPr>
+      <p:grpSpPr>
+        <a:xfrm>
+          <a:off x="0" y="0"/>
+          <a:ext cx="0" cy="0"/>
+          <a:chOff x="0" y="0"/>
+          <a:chExt cx="0" cy="0"/>
+        </a:xfrm>
+      </p:grpSpPr>
+      <p:sp>
+        <p:nvSpPr>
+          <p:cNvPr id="10" name="Rectangle 9"/>
+          <p:cNvSpPr>
+            <a:spLocks noGrp="1" noRot="1" noChangeAspect="1" noMove="1" noResize="1" noEditPoints="1" noAdjustHandles="1" noChangeArrowheads="1" noChangeShapeType="1" noTextEdit="1"/>
+          </p:cNvSpPr>
+          <p:nvPr>
+            <p:extLst>
+              <p:ext uri="{386F3935-93C4-4BCD-93E2-E3B085C9AB24}">
+                <p16:designElem xmlns:p16="http://schemas.microsoft.com/office/powerpoint/2015/main" val="1"/>
+              </p:ext>
+            </p:extLst>
+          </p:nvPr>
+        </p:nvSpPr>
+        <p:spPr bwMode="white">
+          <a:xfrm>
+            <a:off x="0" y="0"/>
+            <a:ext cx="12192000" cy="6858000"/>
+          </a:xfrm>
+          <a:prstGeom prst="rect">
+            <a:avLst/>
+          </a:prstGeom>
+          <a:solidFill>
+            <a:schemeClr val="bg1"/>
+          </a:solidFill>
+          <a:ln>
+            <a:noFill/>
+          </a:ln>
+          <a:effectLst/>
+        </p:spPr>
+      </p:sp>
+      <p:cxnSp>
+        <p:nvCxnSpPr>
+          <p:cNvPr id="12" name="Straight Connector 11"/>
+          <p:cNvCxnSpPr>
+            <a:cxnSpLocks noGrp="1" noRot="1" noChangeAspect="1" noMove="1" noResize="1" noEditPoints="1" noAdjustHandles="1" noChangeArrowheads="1" noChangeShapeType="1"/>
+          </p:cNvCxnSpPr>
+          <p:nvPr>
+            <p:extLst>
+              <p:ext uri="{386F3935-93C4-4BCD-93E2-E3B085C9AB24}">
+                <p16:designElem xmlns:p16="http://schemas.microsoft.com/office/powerpoint/2015/main" val="1"/>
+              </p:ext>
+            </p:extLst>
+          </p:nvPr>
+        </p:nvCxnSpPr>
+        <p:spPr>
+          <a:xfrm flipV="1">
+            <a:off x="762000" y="826324"/>
+            <a:ext cx="0" cy="914400"/>
+          </a:xfrm>
+          <a:prstGeom prst="line">
+            <a:avLst/>
+          </a:prstGeom>
+          <a:ln w="19050">
+            <a:solidFill>
+              <a:schemeClr val="accent1"/>
+            </a:solidFill>
+          </a:ln>
+        </p:spPr>
+        <p:style>
+          <a:lnRef idx="1">
+            <a:schemeClr val="accent1"/>
+          </a:lnRef>
+          <a:fillRef idx="0">
+            <a:schemeClr val="accent1"/>
+          </a:fillRef>
+          <a:effectRef idx="0">
+            <a:schemeClr val="accent1"/>
+          </a:effectRef>
+          <a:fontRef idx="minor">
+            <a:schemeClr val="tx1"/>
+          </a:fontRef>
+        </p:style>
+      </p:cxnSp>
+      <p:sp>
+        <p:nvSpPr>
+          <p:cNvPr id="14" name="Rectangle 13"/>
+          <p:cNvSpPr>
+            <a:spLocks noGrp="1" noRot="1" noChangeAspect="1" noMove="1" noResize="1" noEditPoints="1" noAdjustHandles="1" noChangeArrowheads="1" noChangeShapeType="1" noTextEdit="1"/>
+          </p:cNvSpPr>
+          <p:nvPr>
+            <p:extLst>
+              <p:ext uri="{386F3935-93C4-4BCD-93E2-E3B085C9AB24}">
+                <p16:designElem xmlns:p16="http://schemas.microsoft.com/office/powerpoint/2015/main" val="1"/>
+              </p:ext>
+            </p:extLst>
+          </p:nvPr>
+        </p:nvSpPr>
+        <p:spPr>
+          <a:xfrm>
+            <a:off x="0" y="0"/>
+            <a:ext cx="5468548" cy="6858000"/>
+          </a:xfrm>
+          <a:prstGeom prst="rect">
+            <a:avLst/>
+          </a:prstGeom>
+          <a:solidFill>
+            <a:srgbClr val="8F4F3F"/>
+          </a:solidFill>
+          <a:ln>
+            <a:noFill/>
+          </a:ln>
+        </p:spPr>
+        <p:style>
+          <a:lnRef idx="2">
+            <a:schemeClr val="accent1">
+              <a:shade val="50000"/>
+            </a:schemeClr>
+          </a:lnRef>
+          <a:fillRef idx="1">
+            <a:schemeClr val="accent1"/>
+          </a:fillRef>
+          <a:effectRef idx="0">
+            <a:schemeClr val="accent1"/>
+          </a:effectRef>
+          <a:fontRef idx="minor">
+            <a:schemeClr val="lt1"/>
+          </a:fontRef>
+        </p:style>
+        <p:txBody>
+          <a:bodyPr rtlCol="0" anchor="ctr"/>
+          <a:lstStyle/>
+          <a:p>
+            <a:pPr algn="ctr"/>
+            <a:endParaRPr lang="en-US"/>
+          </a:p>
+        </p:txBody>
+      </p:sp>
+      <p:pic>
+        <p:nvPicPr>
+          <p:cNvPr id="5" name="Content Placeholder 4"/>
+          <p:cNvPicPr>
+            <a:picLocks noGrp="1" noChangeAspect="1"/>
+          </p:cNvPicPr>
+          <p:nvPr>
+            <p:ph idx="1"/>
+          </p:nvPr>
+        </p:nvPicPr>
+        <p:blipFill rotWithShape="1">
+          <a:blip r:embed="rId2"/>
+          <a:srcRect l="26272" t="-1" r="22130" b="-1"/>
+          <a:stretch/>
+        </p:blipFill>
+        <p:spPr>
+          <a:xfrm>
+            <a:off x="6096000" y="640080"/>
+            <a:ext cx="5455921" cy="5577840"/>
+          </a:xfrm>
+          <a:prstGeom prst="rect">
+            <a:avLst/>
+          </a:prstGeom>
+        </p:spPr>
+      </p:pic>
+      <p:cxnSp>
+        <p:nvCxnSpPr>
+          <p:cNvPr id="16" name="Straight Connector 15"/>
+          <p:cNvCxnSpPr>
+            <a:cxnSpLocks noGrp="1" noRot="1" noChangeAspect="1" noMove="1" noResize="1" noEditPoints="1" noAdjustHandles="1" noChangeArrowheads="1" noChangeShapeType="1"/>
+          </p:cNvCxnSpPr>
+          <p:nvPr>
+            <p:extLst>
+              <p:ext uri="{386F3935-93C4-4BCD-93E2-E3B085C9AB24}">
+                <p16:designElem xmlns:p16="http://schemas.microsoft.com/office/powerpoint/2015/main" val="1"/>
+              </p:ext>
+            </p:extLst>
+          </p:nvPr>
+        </p:nvCxnSpPr>
+        <p:spPr>
+          <a:xfrm flipV="1">
+            <a:off x="762000" y="826324"/>
+            <a:ext cx="0" cy="914400"/>
+          </a:xfrm>
+          <a:prstGeom prst="line">
+            <a:avLst/>
+          </a:prstGeom>
+          <a:ln w="19050">
+            <a:solidFill>
+              <a:schemeClr val="accent1">
+                <a:lumMod val="20000"/>
+                <a:lumOff val="80000"/>
+              </a:schemeClr>
+            </a:solidFill>
+          </a:ln>
+        </p:spPr>
+        <p:style>
+          <a:lnRef idx="1">
+            <a:schemeClr val="accent1"/>
+          </a:lnRef>
+          <a:fillRef idx="0">
+            <a:schemeClr val="accent1"/>
+          </a:fillRef>
+          <a:effectRef idx="0">
+            <a:schemeClr val="accent1"/>
+          </a:effectRef>
+          <a:fontRef idx="minor">
+            <a:schemeClr val="tx1"/>
+          </a:fontRef>
+        </p:style>
+      </p:cxnSp>
+      <p:sp>
+        <p:nvSpPr>
+          <p:cNvPr id="2" name="Title 1"/>
+          <p:cNvSpPr>
+            <a:spLocks noGrp="1"/>
+          </p:cNvSpPr>
+          <p:nvPr>
+            <p:ph type="title"/>
+          </p:nvPr>
+        </p:nvSpPr>
+        <p:spPr>
+          <a:xfrm>
+            <a:off x="1024129" y="585216"/>
+            <a:ext cx="3779085" cy="1499616"/>
+          </a:xfrm>
+        </p:spPr>
+        <p:txBody>
+          <a:bodyPr vert="horz" lIns="91440" tIns="45720" rIns="91440" bIns="45720" rtlCol="0" anchor="ctr">
+            <a:normAutofit/>
+          </a:bodyPr>
+          <a:lstStyle/>
+          <a:p>
+            <a:r>
+              <a:rPr lang="en-US" sz="5000" dirty="0">
+                <a:solidFill>
+                  <a:srgbClr val="FFFFFF"/>
+                </a:solidFill>
+              </a:rPr>
+              <a:t>Robot v2.0</a:t>
+            </a:r>
+          </a:p>
+        </p:txBody>
+      </p:sp>
+      <p:sp>
+        <p:nvSpPr>
+          <p:cNvPr id="4" name="Text Placeholder 3"/>
+          <p:cNvSpPr>
+            <a:spLocks noGrp="1"/>
+          </p:cNvSpPr>
+          <p:nvPr>
+            <p:ph type="body" sz="half" idx="2"/>
+          </p:nvPr>
+        </p:nvSpPr>
+        <p:spPr>
+          <a:xfrm>
+            <a:off x="1024129" y="2286000"/>
+            <a:ext cx="3791711" cy="3931920"/>
+          </a:xfrm>
+        </p:spPr>
+        <p:txBody>
+          <a:bodyPr vert="horz" lIns="45720" tIns="45720" rIns="45720" bIns="45720" rtlCol="0">
+            <a:normAutofit/>
+          </a:bodyPr>
+          <a:lstStyle/>
+          <a:p>
+            <a:pPr>
+              <a:lnSpc>
+                <a:spcPct val="90000"/>
+              </a:lnSpc>
+            </a:pPr>
+            <a:r>
+              <a:rPr lang="en-US" dirty="0">
+                <a:solidFill>
+                  <a:srgbClr val="FFFFFF"/>
+                </a:solidFill>
+              </a:rPr>
+              <a:t>Uses </a:t>
+            </a:r>
+            <a:r>
+              <a:rPr lang="en-US" dirty="0" err="1">
+                <a:solidFill>
+                  <a:srgbClr val="FFFFFF"/>
+                </a:solidFill>
+              </a:rPr>
+              <a:t>Vive</a:t>
+            </a:r>
+            <a:r>
+              <a:rPr lang="en-US" dirty="0">
+                <a:solidFill>
+                  <a:srgbClr val="FFFFFF"/>
+                </a:solidFill>
+              </a:rPr>
+              <a:t> Tracker, lighter and more balanced for the robot and its movement. Allowed for usage of hand controllers to mark waypoints for navigation.</a:t>
+            </a:r>
+          </a:p>
+        </p:txBody>
+      </p:sp>
+    </p:spTree>
+    <p:extLst>
+      <p:ext uri="{BB962C8B-B14F-4D97-AF65-F5344CB8AC3E}">
+        <p14:creationId xmlns:p14="http://schemas.microsoft.com/office/powerpoint/2010/main" val="1953109420"/>
+      </p:ext>
+    </p:extLst>
+  </p:cSld>
+  <p:clrMapOvr>
+    <a:masterClrMapping/>
+  </p:clrMapOvr>
+</p:sld>
+</file>
+
+<file path=ppt/slides/slide8.xml><?xml version="1.0" encoding="utf-8"?>
+<p:sld xmlns:a="http://schemas.openxmlformats.org/drawingml/2006/main" xmlns:r="http://schemas.openxmlformats.org/officeDocument/2006/relationships" xmlns:p="http://schemas.openxmlformats.org/presentationml/2006/main">
+  <p:cSld>
+    <p:spTree>
+      <p:nvGrpSpPr>
+        <p:cNvPr id="1" name=""/>
+        <p:cNvGrpSpPr/>
+        <p:nvPr/>
+      </p:nvGrpSpPr>
+      <p:grpSpPr>
+        <a:xfrm>
+          <a:off x="0" y="0"/>
+          <a:ext cx="0" cy="0"/>
+          <a:chOff x="0" y="0"/>
+          <a:chExt cx="0" cy="0"/>
+        </a:xfrm>
+      </p:grpSpPr>
+      <p:sp>
+        <p:nvSpPr>
+          <p:cNvPr id="10" name="Rectangle 9"/>
+          <p:cNvSpPr>
+            <a:spLocks noGrp="1" noRot="1" noChangeAspect="1" noMove="1" noResize="1" noEditPoints="1" noAdjustHandles="1" noChangeArrowheads="1" noChangeShapeType="1" noTextEdit="1"/>
+          </p:cNvSpPr>
+          <p:nvPr>
+            <p:extLst>
+              <p:ext uri="{386F3935-93C4-4BCD-93E2-E3B085C9AB24}">
+                <p16:designElem xmlns:p16="http://schemas.microsoft.com/office/powerpoint/2015/main" val="1"/>
+              </p:ext>
+            </p:extLst>
+          </p:nvPr>
+        </p:nvSpPr>
+        <p:spPr bwMode="white">
+          <a:xfrm>
+            <a:off x="0" y="0"/>
+            <a:ext cx="12192000" cy="6858000"/>
+          </a:xfrm>
+          <a:prstGeom prst="rect">
+            <a:avLst/>
+          </a:prstGeom>
+          <a:solidFill>
+            <a:schemeClr val="bg1"/>
+          </a:solidFill>
+          <a:ln>
+            <a:noFill/>
+          </a:ln>
+          <a:effectLst/>
+        </p:spPr>
+      </p:sp>
+      <p:cxnSp>
+        <p:nvCxnSpPr>
+          <p:cNvPr id="12" name="Straight Connector 11"/>
+          <p:cNvCxnSpPr>
+            <a:cxnSpLocks noGrp="1" noRot="1" noChangeAspect="1" noMove="1" noResize="1" noEditPoints="1" noAdjustHandles="1" noChangeArrowheads="1" noChangeShapeType="1"/>
+          </p:cNvCxnSpPr>
+          <p:nvPr>
+            <p:extLst>
+              <p:ext uri="{386F3935-93C4-4BCD-93E2-E3B085C9AB24}">
+                <p16:designElem xmlns:p16="http://schemas.microsoft.com/office/powerpoint/2015/main" val="1"/>
+              </p:ext>
+            </p:extLst>
+          </p:nvPr>
+        </p:nvCxnSpPr>
+        <p:spPr>
+          <a:xfrm flipV="1">
+            <a:off x="762000" y="826324"/>
+            <a:ext cx="0" cy="914400"/>
+          </a:xfrm>
+          <a:prstGeom prst="line">
+            <a:avLst/>
+          </a:prstGeom>
+          <a:ln w="19050">
+            <a:solidFill>
+              <a:schemeClr val="accent1"/>
+            </a:solidFill>
+          </a:ln>
+        </p:spPr>
+        <p:style>
+          <a:lnRef idx="1">
+            <a:schemeClr val="accent1"/>
+          </a:lnRef>
+          <a:fillRef idx="0">
+            <a:schemeClr val="accent1"/>
+          </a:fillRef>
+          <a:effectRef idx="0">
+            <a:schemeClr val="accent1"/>
+          </a:effectRef>
+          <a:fontRef idx="minor">
+            <a:schemeClr val="tx1"/>
+          </a:fontRef>
+        </p:style>
+      </p:cxnSp>
+      <p:sp>
+        <p:nvSpPr>
+          <p:cNvPr id="14" name="Rectangle 13"/>
+          <p:cNvSpPr>
+            <a:spLocks noGrp="1" noRot="1" noChangeAspect="1" noMove="1" noResize="1" noEditPoints="1" noAdjustHandles="1" noChangeArrowheads="1" noChangeShapeType="1" noTextEdit="1"/>
+          </p:cNvSpPr>
+          <p:nvPr>
+            <p:extLst>
+              <p:ext uri="{386F3935-93C4-4BCD-93E2-E3B085C9AB24}">
+                <p16:designElem xmlns:p16="http://schemas.microsoft.com/office/powerpoint/2015/main" val="1"/>
+              </p:ext>
+            </p:extLst>
+          </p:nvPr>
+        </p:nvSpPr>
+        <p:spPr>
+          <a:xfrm>
+            <a:off x="7534656" y="-2"/>
+            <a:ext cx="4657344" cy="6858002"/>
+          </a:xfrm>
+          <a:prstGeom prst="rect">
+            <a:avLst/>
+          </a:prstGeom>
+          <a:solidFill>
+            <a:schemeClr val="accent1"/>
+          </a:solidFill>
+          <a:ln>
+            <a:noFill/>
+          </a:ln>
+        </p:spPr>
+        <p:style>
+          <a:lnRef idx="2">
+            <a:schemeClr val="accent1">
+              <a:shade val="50000"/>
+            </a:schemeClr>
+          </a:lnRef>
+          <a:fillRef idx="1">
+            <a:schemeClr val="accent1"/>
+          </a:fillRef>
+          <a:effectRef idx="0">
+            <a:schemeClr val="accent1"/>
+          </a:effectRef>
+          <a:fontRef idx="minor">
+            <a:schemeClr val="lt1"/>
+          </a:fontRef>
+        </p:style>
+        <p:txBody>
+          <a:bodyPr rtlCol="0" anchor="ctr"/>
+          <a:lstStyle/>
+          <a:p>
+            <a:pPr algn="ctr"/>
+            <a:endParaRPr lang="en-US"/>
+          </a:p>
+        </p:txBody>
+      </p:sp>
+      <p:pic>
+        <p:nvPicPr>
+          <p:cNvPr id="5" name="Content Placeholder 4"/>
+          <p:cNvPicPr>
+            <a:picLocks noGrp="1" noChangeAspect="1"/>
+          </p:cNvPicPr>
+          <p:nvPr>
+            <p:ph idx="1"/>
+          </p:nvPr>
+        </p:nvPicPr>
+        <p:blipFill>
+          <a:blip r:embed="rId2"/>
+          <a:stretch>
+            <a:fillRect/>
+          </a:stretch>
+        </p:blipFill>
+        <p:spPr>
+          <a:xfrm>
+            <a:off x="1024128" y="2938347"/>
+            <a:ext cx="5867061" cy="2581506"/>
+          </a:xfrm>
+          <a:prstGeom prst="rect">
+            <a:avLst/>
+          </a:prstGeom>
+        </p:spPr>
+      </p:pic>
+      <p:sp>
+        <p:nvSpPr>
+          <p:cNvPr id="2" name="Title 1"/>
+          <p:cNvSpPr>
+            <a:spLocks noGrp="1"/>
+          </p:cNvSpPr>
+          <p:nvPr>
+            <p:ph type="title"/>
+          </p:nvPr>
+        </p:nvSpPr>
+        <p:spPr>
+          <a:xfrm>
+            <a:off x="1024128" y="585216"/>
+            <a:ext cx="5867061" cy="1499616"/>
+          </a:xfrm>
+        </p:spPr>
+        <p:txBody>
+          <a:bodyPr vert="horz" lIns="91440" tIns="45720" rIns="91440" bIns="45720" rtlCol="0" anchor="ctr">
+            <a:normAutofit/>
+          </a:bodyPr>
+          <a:lstStyle/>
+          <a:p>
+            <a:r>
+              <a:rPr lang="en-US" sz="5000" dirty="0"/>
+              <a:t>The Experiment</a:t>
+            </a:r>
+          </a:p>
+        </p:txBody>
+      </p:sp>
+      <p:sp>
+        <p:nvSpPr>
+          <p:cNvPr id="4" name="Text Placeholder 3"/>
+          <p:cNvSpPr>
+            <a:spLocks noGrp="1"/>
+          </p:cNvSpPr>
+          <p:nvPr>
+            <p:ph type="body" sz="half" idx="2"/>
+          </p:nvPr>
+        </p:nvSpPr>
+        <p:spPr>
+          <a:xfrm>
+            <a:off x="8021490" y="585216"/>
+            <a:ext cx="3527043" cy="5586984"/>
+          </a:xfrm>
+        </p:spPr>
+        <p:txBody>
+          <a:bodyPr vert="horz" lIns="45720" tIns="45720" rIns="45720" bIns="45720" rtlCol="0" anchor="ctr">
+            <a:normAutofit/>
+          </a:bodyPr>
+          <a:lstStyle/>
+          <a:p>
+            <a:pPr>
+              <a:lnSpc>
+                <a:spcPct val="90000"/>
+              </a:lnSpc>
+            </a:pPr>
+            <a:r>
+              <a:rPr lang="en-US" sz="2000" b="1" dirty="0">
+                <a:solidFill>
+                  <a:srgbClr val="FFFFFF"/>
+                </a:solidFill>
+              </a:rPr>
+              <a:t>Test set 1 </a:t>
+            </a:r>
+            <a:r>
+              <a:rPr lang="en-US" sz="2000" dirty="0">
+                <a:solidFill>
+                  <a:srgbClr val="FFFFFF"/>
+                </a:solidFill>
+              </a:rPr>
+              <a:t>simulates the robot going from point A to point B.</a:t>
+            </a:r>
+          </a:p>
+          <a:p>
+            <a:pPr>
+              <a:lnSpc>
+                <a:spcPct val="90000"/>
+              </a:lnSpc>
+            </a:pPr>
+            <a:endParaRPr lang="en-US" sz="2000" dirty="0">
+              <a:solidFill>
+                <a:srgbClr val="FFFFFF"/>
+              </a:solidFill>
+            </a:endParaRPr>
+          </a:p>
+          <a:p>
+            <a:pPr>
+              <a:lnSpc>
+                <a:spcPct val="90000"/>
+              </a:lnSpc>
+            </a:pPr>
+            <a:r>
+              <a:rPr lang="en-US" sz="2000" dirty="0">
+                <a:solidFill>
+                  <a:srgbClr val="FFFFFF"/>
+                </a:solidFill>
+              </a:rPr>
+              <a:t>Pairs of points are set up around the room and data is collected on its accuracy.</a:t>
+            </a:r>
+          </a:p>
+          <a:p>
+            <a:pPr>
+              <a:lnSpc>
+                <a:spcPct val="90000"/>
+              </a:lnSpc>
+            </a:pPr>
+            <a:endParaRPr lang="en-US" sz="2000" dirty="0">
+              <a:solidFill>
+                <a:srgbClr val="FFFFFF"/>
+              </a:solidFill>
+            </a:endParaRPr>
+          </a:p>
+          <a:p>
+            <a:pPr>
+              <a:lnSpc>
+                <a:spcPct val="90000"/>
+              </a:lnSpc>
+            </a:pPr>
+            <a:r>
+              <a:rPr lang="en-US" sz="2000" b="1" dirty="0">
+                <a:solidFill>
+                  <a:srgbClr val="FFFFFF"/>
+                </a:solidFill>
+              </a:rPr>
+              <a:t>Test set 2 </a:t>
+            </a:r>
+            <a:r>
+              <a:rPr lang="en-US" sz="2000" dirty="0">
+                <a:solidFill>
+                  <a:srgbClr val="FFFFFF"/>
+                </a:solidFill>
+              </a:rPr>
+              <a:t>uses a continuous motion system, all points are stored in a waypoint queue.</a:t>
+            </a:r>
+          </a:p>
+          <a:p>
+            <a:pPr>
+              <a:lnSpc>
+                <a:spcPct val="90000"/>
+              </a:lnSpc>
+            </a:pPr>
+            <a:endParaRPr lang="en-US" sz="2000" dirty="0">
+              <a:solidFill>
+                <a:srgbClr val="FFFFFF"/>
+              </a:solidFill>
+            </a:endParaRPr>
+          </a:p>
+          <a:p>
+            <a:pPr>
+              <a:lnSpc>
+                <a:spcPct val="90000"/>
+              </a:lnSpc>
+            </a:pPr>
+            <a:r>
+              <a:rPr lang="en-US" sz="2000" b="1" dirty="0">
+                <a:solidFill>
+                  <a:srgbClr val="FFFFFF"/>
+                </a:solidFill>
+              </a:rPr>
+              <a:t>Test set 3 </a:t>
+            </a:r>
+            <a:r>
+              <a:rPr lang="en-US" sz="2000" dirty="0">
+                <a:solidFill>
+                  <a:srgbClr val="FFFFFF"/>
+                </a:solidFill>
+              </a:rPr>
+              <a:t>utilizes path finding.</a:t>
+            </a:r>
+          </a:p>
+        </p:txBody>
+      </p:sp>
+    </p:spTree>
+    <p:extLst>
+      <p:ext uri="{BB962C8B-B14F-4D97-AF65-F5344CB8AC3E}">
+        <p14:creationId xmlns:p14="http://schemas.microsoft.com/office/powerpoint/2010/main" val="3469427205"/>
+      </p:ext>
+    </p:extLst>
+  </p:cSld>
+  <p:clrMapOvr>
+    <a:masterClrMapping/>
+  </p:clrMapOvr>
+</p:sld>
+</file>
+
+<file path=ppt/slides/slide9.xml><?xml version="1.0" encoding="utf-8"?>
+<p:sld xmlns:a="http://schemas.openxmlformats.org/drawingml/2006/main" xmlns:r="http://schemas.openxmlformats.org/officeDocument/2006/relationships" xmlns:p="http://schemas.openxmlformats.org/presentationml/2006/main">
+  <p:cSld>
+    <p:spTree>
+      <p:nvGrpSpPr>
+        <p:cNvPr id="1" name=""/>
+        <p:cNvGrpSpPr/>
+        <p:nvPr/>
+      </p:nvGrpSpPr>
+      <p:grpSpPr>
+        <a:xfrm>
+          <a:off x="0" y="0"/>
+          <a:ext cx="0" cy="0"/>
+          <a:chOff x="0" y="0"/>
+          <a:chExt cx="0" cy="0"/>
+        </a:xfrm>
+      </p:grpSpPr>
+      <p:sp>
+        <p:nvSpPr>
+          <p:cNvPr id="15" name="Rectangle 9"/>
+          <p:cNvSpPr>
+            <a:spLocks noGrp="1" noRot="1" noChangeAspect="1" noMove="1" noResize="1" noEditPoints="1" noAdjustHandles="1" noChangeArrowheads="1" noChangeShapeType="1" noTextEdit="1"/>
+          </p:cNvSpPr>
+          <p:nvPr>
+            <p:extLst>
+              <p:ext uri="{386F3935-93C4-4BCD-93E2-E3B085C9AB24}">
+                <p16:designElem xmlns:p16="http://schemas.microsoft.com/office/powerpoint/2015/main" val="1"/>
+              </p:ext>
+            </p:extLst>
+          </p:nvPr>
+        </p:nvSpPr>
+        <p:spPr bwMode="white">
+          <a:xfrm>
+            <a:off x="0" y="0"/>
+            <a:ext cx="12192000" cy="6858000"/>
+          </a:xfrm>
+          <a:prstGeom prst="rect">
+            <a:avLst/>
+          </a:prstGeom>
+          <a:solidFill>
+            <a:schemeClr val="bg1"/>
+          </a:solidFill>
+          <a:ln>
+            <a:noFill/>
+          </a:ln>
+          <a:effectLst/>
+        </p:spPr>
+      </p:sp>
+      <p:cxnSp>
+        <p:nvCxnSpPr>
+          <p:cNvPr id="17" name="Straight Connector 11"/>
+          <p:cNvCxnSpPr>
+            <a:cxnSpLocks noGrp="1" noRot="1" noChangeAspect="1" noMove="1" noResize="1" noEditPoints="1" noAdjustHandles="1" noChangeArrowheads="1" noChangeShapeType="1"/>
+          </p:cNvCxnSpPr>
+          <p:nvPr>
+            <p:extLst>
+              <p:ext uri="{386F3935-93C4-4BCD-93E2-E3B085C9AB24}">
+                <p16:designElem xmlns:p16="http://schemas.microsoft.com/office/powerpoint/2015/main" val="1"/>
+              </p:ext>
+            </p:extLst>
+          </p:nvPr>
+        </p:nvCxnSpPr>
+        <p:spPr>
+          <a:xfrm flipV="1">
+            <a:off x="762000" y="826324"/>
+            <a:ext cx="0" cy="914400"/>
+          </a:xfrm>
+          <a:prstGeom prst="line">
+            <a:avLst/>
+          </a:prstGeom>
+          <a:ln w="19050">
+            <a:solidFill>
+              <a:schemeClr val="accent1"/>
+            </a:solidFill>
+          </a:ln>
+        </p:spPr>
+        <p:style>
+          <a:lnRef idx="1">
+            <a:schemeClr val="accent1"/>
+          </a:lnRef>
+          <a:fillRef idx="0">
+            <a:schemeClr val="accent1"/>
+          </a:fillRef>
+          <a:effectRef idx="0">
+            <a:schemeClr val="accent1"/>
+          </a:effectRef>
+          <a:fontRef idx="minor">
+            <a:schemeClr val="tx1"/>
+          </a:fontRef>
+        </p:style>
+      </p:cxnSp>
+      <p:sp>
+        <p:nvSpPr>
+          <p:cNvPr id="14" name="Rectangle 13"/>
+          <p:cNvSpPr>
+            <a:spLocks noGrp="1" noRot="1" noChangeAspect="1" noMove="1" noResize="1" noEditPoints="1" noAdjustHandles="1" noChangeArrowheads="1" noChangeShapeType="1" noTextEdit="1"/>
+          </p:cNvSpPr>
+          <p:nvPr>
+            <p:extLst>
+              <p:ext uri="{386F3935-93C4-4BCD-93E2-E3B085C9AB24}">
+                <p16:designElem xmlns:p16="http://schemas.microsoft.com/office/powerpoint/2015/main" val="1"/>
+              </p:ext>
+            </p:extLst>
+          </p:nvPr>
+        </p:nvSpPr>
+        <p:spPr>
+          <a:xfrm>
+            <a:off x="0" y="0"/>
+            <a:ext cx="5468548" cy="6858000"/>
+          </a:xfrm>
+          <a:prstGeom prst="rect">
+            <a:avLst/>
+          </a:prstGeom>
+          <a:solidFill>
+            <a:schemeClr val="accent1"/>
+          </a:solidFill>
+          <a:ln>
+            <a:noFill/>
+          </a:ln>
+        </p:spPr>
+        <p:style>
+          <a:lnRef idx="2">
+            <a:schemeClr val="accent1">
+              <a:shade val="50000"/>
+            </a:schemeClr>
+          </a:lnRef>
+          <a:fillRef idx="1">
+            <a:schemeClr val="accent1"/>
+          </a:fillRef>
+          <a:effectRef idx="0">
+            <a:schemeClr val="accent1"/>
+          </a:effectRef>
+          <a:fontRef idx="minor">
+            <a:schemeClr val="lt1"/>
+          </a:fontRef>
+        </p:style>
+        <p:txBody>
+          <a:bodyPr rtlCol="0" anchor="ctr"/>
+          <a:lstStyle/>
+          <a:p>
+            <a:pPr algn="ctr"/>
+            <a:endParaRPr lang="en-US"/>
+          </a:p>
+        </p:txBody>
+      </p:sp>
+      <p:pic>
+        <p:nvPicPr>
+          <p:cNvPr id="5" name="Content Placeholder 4"/>
+          <p:cNvPicPr>
+            <a:picLocks noGrp="1" noChangeAspect="1"/>
+          </p:cNvPicPr>
+          <p:nvPr>
+            <p:ph idx="1"/>
+          </p:nvPr>
+        </p:nvPicPr>
+        <p:blipFill>
+          <a:blip r:embed="rId2"/>
+          <a:stretch>
+            <a:fillRect/>
+          </a:stretch>
+        </p:blipFill>
+        <p:spPr>
+          <a:xfrm>
+            <a:off x="6096000" y="1533067"/>
+            <a:ext cx="5455921" cy="3791865"/>
+          </a:xfrm>
+          <a:prstGeom prst="rect">
+            <a:avLst/>
+          </a:prstGeom>
+        </p:spPr>
+      </p:pic>
+      <p:cxnSp>
+        <p:nvCxnSpPr>
+          <p:cNvPr id="16" name="Straight Connector 15"/>
+          <p:cNvCxnSpPr>
+            <a:cxnSpLocks noGrp="1" noRot="1" noChangeAspect="1" noMove="1" noResize="1" noEditPoints="1" noAdjustHandles="1" noChangeArrowheads="1" noChangeShapeType="1"/>
+          </p:cNvCxnSpPr>
+          <p:nvPr>
+            <p:extLst>
+              <p:ext uri="{386F3935-93C4-4BCD-93E2-E3B085C9AB24}">
+                <p16:designElem xmlns:p16="http://schemas.microsoft.com/office/powerpoint/2015/main" val="1"/>
+              </p:ext>
+            </p:extLst>
+          </p:nvPr>
+        </p:nvCxnSpPr>
+        <p:spPr>
+          <a:xfrm flipV="1">
+            <a:off x="762000" y="826324"/>
+            <a:ext cx="0" cy="914400"/>
+          </a:xfrm>
+          <a:prstGeom prst="line">
+            <a:avLst/>
+          </a:prstGeom>
+          <a:ln w="19050">
+            <a:solidFill>
+              <a:schemeClr val="accent1">
+                <a:lumMod val="20000"/>
+                <a:lumOff val="80000"/>
+              </a:schemeClr>
+            </a:solidFill>
+          </a:ln>
+        </p:spPr>
+        <p:style>
+          <a:lnRef idx="1">
+            <a:schemeClr val="accent1"/>
+          </a:lnRef>
+          <a:fillRef idx="0">
+            <a:schemeClr val="accent1"/>
+          </a:fillRef>
+          <a:effectRef idx="0">
+            <a:schemeClr val="accent1"/>
+          </a:effectRef>
+          <a:fontRef idx="minor">
+            <a:schemeClr val="tx1"/>
+          </a:fontRef>
+        </p:style>
+      </p:cxnSp>
+      <p:sp>
+        <p:nvSpPr>
+          <p:cNvPr id="2" name="Title 1"/>
+          <p:cNvSpPr>
+            <a:spLocks noGrp="1"/>
+          </p:cNvSpPr>
+          <p:nvPr>
+            <p:ph type="title"/>
+          </p:nvPr>
+        </p:nvSpPr>
+        <p:spPr>
+          <a:xfrm>
+            <a:off x="1024129" y="585216"/>
+            <a:ext cx="3779085" cy="1499616"/>
+          </a:xfrm>
+        </p:spPr>
+        <p:txBody>
+          <a:bodyPr vert="horz" lIns="91440" tIns="45720" rIns="91440" bIns="45720" rtlCol="0" anchor="ctr">
+            <a:normAutofit/>
+          </a:bodyPr>
+          <a:lstStyle/>
+          <a:p>
+            <a:r>
+              <a:rPr lang="en-US" sz="5000" dirty="0">
+                <a:solidFill>
+                  <a:srgbClr val="FFFFFF"/>
+                </a:solidFill>
+              </a:rPr>
+              <a:t>Path Finding p. 1</a:t>
+            </a:r>
+          </a:p>
+        </p:txBody>
+      </p:sp>
+      <p:sp>
+        <p:nvSpPr>
+          <p:cNvPr id="4" name="Text Placeholder 3"/>
+          <p:cNvSpPr>
+            <a:spLocks noGrp="1"/>
+          </p:cNvSpPr>
+          <p:nvPr>
+            <p:ph type="body" sz="half" idx="2"/>
+          </p:nvPr>
+        </p:nvSpPr>
+        <p:spPr>
+          <a:xfrm>
+            <a:off x="1024129" y="2286000"/>
+            <a:ext cx="3791711" cy="3931920"/>
+          </a:xfrm>
+        </p:spPr>
+        <p:txBody>
+          <a:bodyPr vert="horz" lIns="45720" tIns="45720" rIns="45720" bIns="45720" rtlCol="0">
+            <a:normAutofit/>
+          </a:bodyPr>
+          <a:lstStyle/>
+          <a:p>
+            <a:pPr>
+              <a:lnSpc>
+                <a:spcPct val="90000"/>
+              </a:lnSpc>
+            </a:pPr>
+            <a:r>
+              <a:rPr lang="en-US" dirty="0">
+                <a:solidFill>
+                  <a:srgbClr val="FFFFFF"/>
+                </a:solidFill>
+              </a:rPr>
+              <a:t>Uses collision avoidance detection to avoid obstacles using the VR simulation + A* path finding and automatically queueing waypoints.</a:t>
+            </a:r>
+          </a:p>
+        </p:txBody>
+      </p:sp>
+    </p:spTree>
+    <p:extLst>
+      <p:ext uri="{BB962C8B-B14F-4D97-AF65-F5344CB8AC3E}">
+        <p14:creationId xmlns:p14="http://schemas.microsoft.com/office/powerpoint/2010/main" val="2983950570"/>
       </p:ext>
     </p:extLst>
   </p:cSld>

--- a/Report/Mimic vr.pptx
+++ b/Report/Mimic vr.pptx
@@ -18,11 +18,12 @@
     <p:sldId id="266" r:id="rId12"/>
     <p:sldId id="268" r:id="rId13"/>
     <p:sldId id="269" r:id="rId14"/>
-    <p:sldId id="270" r:id="rId15"/>
-    <p:sldId id="271" r:id="rId16"/>
-    <p:sldId id="272" r:id="rId17"/>
-    <p:sldId id="273" r:id="rId18"/>
+    <p:sldId id="273" r:id="rId15"/>
+    <p:sldId id="270" r:id="rId16"/>
+    <p:sldId id="271" r:id="rId17"/>
+    <p:sldId id="272" r:id="rId18"/>
     <p:sldId id="274" r:id="rId19"/>
+    <p:sldId id="275" r:id="rId20"/>
   </p:sldIdLst>
   <p:sldSz cx="12192000" cy="6858000"/>
   <p:notesSz cx="6858000" cy="9144000"/>
@@ -21008,11 +21009,6 @@
               </a:rPr>
               <a:t>Path Finding p. 2</a:t>
             </a:r>
-            <a:endParaRPr lang="en-US" sz="5000" dirty="0">
-              <a:solidFill>
-                <a:srgbClr val="FFFFFF"/>
-              </a:solidFill>
-            </a:endParaRPr>
           </a:p>
         </p:txBody>
       </p:sp>
@@ -21476,7 +21472,10 @@
           </a:bodyPr>
           <a:lstStyle/>
           <a:p>
-            <a:endParaRPr lang="en-US" sz="1600"/>
+            <a:r>
+              <a:rPr lang="en-US" sz="1600" dirty="0"/>
+              <a:t>The forward/backward N traversal.</a:t>
+            </a:r>
           </a:p>
         </p:txBody>
       </p:sp>
@@ -21558,7 +21557,7 @@
           <a:p>
             <a:r>
               <a:rPr lang="en-US" sz="4000" dirty="0"/>
-              <a:t>Test 1 - 2</a:t>
+              <a:t>Test 1 - 3</a:t>
             </a:r>
           </a:p>
         </p:txBody>
@@ -21585,7 +21584,10 @@
           </a:bodyPr>
           <a:lstStyle/>
           <a:p>
-            <a:endParaRPr lang="en-US" sz="1600"/>
+            <a:r>
+              <a:rPr lang="en-US" sz="1600" dirty="0"/>
+              <a:t>The single file backward forward path.</a:t>
+            </a:r>
           </a:p>
         </p:txBody>
       </p:sp>
@@ -21619,9 +21621,117 @@
           <a:chExt cx="0" cy="0"/>
         </a:xfrm>
       </p:grpSpPr>
+      <p:sp>
+        <p:nvSpPr>
+          <p:cNvPr id="28" name="Rectangle 14"/>
+          <p:cNvSpPr>
+            <a:spLocks noGrp="1" noRot="1" noChangeAspect="1" noMove="1" noResize="1" noEditPoints="1" noAdjustHandles="1" noChangeArrowheads="1" noChangeShapeType="1" noTextEdit="1"/>
+          </p:cNvSpPr>
+          <p:nvPr>
+            <p:extLst>
+              <p:ext uri="{386F3935-93C4-4BCD-93E2-E3B085C9AB24}">
+                <p16:designElem xmlns:p16="http://schemas.microsoft.com/office/powerpoint/2015/main" val="1"/>
+              </p:ext>
+            </p:extLst>
+          </p:nvPr>
+        </p:nvSpPr>
+        <p:spPr>
+          <a:xfrm>
+            <a:off x="6083275" y="0"/>
+            <a:ext cx="6105451" cy="6858000"/>
+          </a:xfrm>
+          <a:prstGeom prst="rect">
+            <a:avLst/>
+          </a:prstGeom>
+          <a:solidFill>
+            <a:schemeClr val="accent1"/>
+          </a:solidFill>
+          <a:ln>
+            <a:noFill/>
+          </a:ln>
+        </p:spPr>
+        <p:style>
+          <a:lnRef idx="2">
+            <a:schemeClr val="accent1">
+              <a:shade val="50000"/>
+            </a:schemeClr>
+          </a:lnRef>
+          <a:fillRef idx="1">
+            <a:schemeClr val="accent1"/>
+          </a:fillRef>
+          <a:effectRef idx="0">
+            <a:schemeClr val="accent1"/>
+          </a:effectRef>
+          <a:fontRef idx="minor">
+            <a:schemeClr val="lt1"/>
+          </a:fontRef>
+        </p:style>
+        <p:txBody>
+          <a:bodyPr rtlCol="0" anchor="ctr"/>
+          <a:lstStyle/>
+          <a:p>
+            <a:pPr algn="ctr"/>
+            <a:endParaRPr lang="en-US"/>
+          </a:p>
+        </p:txBody>
+      </p:sp>
+      <p:sp>
+        <p:nvSpPr>
+          <p:cNvPr id="17" name="Rectangle 16"/>
+          <p:cNvSpPr>
+            <a:spLocks noGrp="1" noRot="1" noChangeAspect="1" noMove="1" noResize="1" noEditPoints="1" noAdjustHandles="1" noChangeArrowheads="1" noChangeShapeType="1" noTextEdit="1"/>
+          </p:cNvSpPr>
+          <p:nvPr>
+            <p:extLst>
+              <p:ext uri="{386F3935-93C4-4BCD-93E2-E3B085C9AB24}">
+                <p16:designElem xmlns:p16="http://schemas.microsoft.com/office/powerpoint/2015/main" val="1"/>
+              </p:ext>
+            </p:extLst>
+          </p:nvPr>
+        </p:nvSpPr>
+        <p:spPr>
+          <a:xfrm>
+            <a:off x="6405010" y="321731"/>
+            <a:ext cx="3278619" cy="3662235"/>
+          </a:xfrm>
+          <a:prstGeom prst="rect">
+            <a:avLst/>
+          </a:prstGeom>
+          <a:solidFill>
+            <a:srgbClr val="FFFFFF"/>
+          </a:solidFill>
+          <a:ln>
+            <a:noFill/>
+          </a:ln>
+        </p:spPr>
+        <p:style>
+          <a:lnRef idx="2">
+            <a:schemeClr val="accent1">
+              <a:shade val="50000"/>
+            </a:schemeClr>
+          </a:lnRef>
+          <a:fillRef idx="1">
+            <a:schemeClr val="accent1"/>
+          </a:fillRef>
+          <a:effectRef idx="0">
+            <a:schemeClr val="accent1"/>
+          </a:effectRef>
+          <a:fontRef idx="minor">
+            <a:schemeClr val="lt1"/>
+          </a:fontRef>
+        </p:style>
+        <p:txBody>
+          <a:bodyPr rtlCol="0" anchor="ctr"/>
+          <a:lstStyle/>
+          <a:p>
+            <a:pPr algn="ctr"/>
+            <a:endParaRPr lang="en-US"/>
+          </a:p>
+        </p:txBody>
+      </p:sp>
       <p:pic>
         <p:nvPicPr>
-          <p:cNvPr id="21" name="Content Placeholder 3"/>
+          <p:cNvPr id="5" name="Picture 4" descr="A close up of a map&#10;&#10;Description generated with high confidence"/>
           <p:cNvPicPr>
             <a:picLocks noChangeAspect="1"/>
           </p:cNvPicPr>
@@ -21635,8 +21745,8 @@
         </p:blipFill>
         <p:spPr>
           <a:xfrm>
-            <a:off x="617317" y="1366345"/>
-            <a:ext cx="11040085" cy="2925621"/>
+            <a:off x="6688858" y="484068"/>
+            <a:ext cx="2720110" cy="3337560"/>
           </a:xfrm>
           <a:prstGeom prst="rect">
             <a:avLst/>
@@ -21645,7 +21755,278 @@
       </p:pic>
       <p:sp>
         <p:nvSpPr>
-          <p:cNvPr id="22" name="Content Placeholder 8"/>
+          <p:cNvPr id="19" name="Rectangle 18"/>
+          <p:cNvSpPr>
+            <a:spLocks noGrp="1" noRot="1" noChangeAspect="1" noMove="1" noResize="1" noEditPoints="1" noAdjustHandles="1" noChangeArrowheads="1" noChangeShapeType="1" noTextEdit="1"/>
+          </p:cNvSpPr>
+          <p:nvPr>
+            <p:extLst>
+              <p:ext uri="{386F3935-93C4-4BCD-93E2-E3B085C9AB24}">
+                <p16:designElem xmlns:p16="http://schemas.microsoft.com/office/powerpoint/2015/main" val="1"/>
+              </p:ext>
+            </p:extLst>
+          </p:nvPr>
+        </p:nvSpPr>
+        <p:spPr>
+          <a:xfrm>
+            <a:off x="8670625" y="4157447"/>
+            <a:ext cx="3206709" cy="2312282"/>
+          </a:xfrm>
+          <a:prstGeom prst="rect">
+            <a:avLst/>
+          </a:prstGeom>
+          <a:solidFill>
+            <a:srgbClr val="FFFFFF"/>
+          </a:solidFill>
+          <a:ln>
+            <a:noFill/>
+          </a:ln>
+        </p:spPr>
+        <p:style>
+          <a:lnRef idx="2">
+            <a:schemeClr val="accent1">
+              <a:shade val="50000"/>
+            </a:schemeClr>
+          </a:lnRef>
+          <a:fillRef idx="1">
+            <a:schemeClr val="accent1"/>
+          </a:fillRef>
+          <a:effectRef idx="0">
+            <a:schemeClr val="accent1"/>
+          </a:effectRef>
+          <a:fontRef idx="minor">
+            <a:schemeClr val="lt1"/>
+          </a:fontRef>
+        </p:style>
+        <p:txBody>
+          <a:bodyPr rtlCol="0" anchor="ctr"/>
+          <a:lstStyle/>
+          <a:p>
+            <a:pPr algn="ctr"/>
+            <a:endParaRPr lang="en-US"/>
+          </a:p>
+        </p:txBody>
+      </p:sp>
+      <p:sp>
+        <p:nvSpPr>
+          <p:cNvPr id="21" name="Rectangle 20"/>
+          <p:cNvSpPr>
+            <a:spLocks noGrp="1" noRot="1" noChangeAspect="1" noMove="1" noResize="1" noEditPoints="1" noAdjustHandles="1" noChangeArrowheads="1" noChangeShapeType="1" noTextEdit="1"/>
+          </p:cNvSpPr>
+          <p:nvPr>
+            <p:extLst>
+              <p:ext uri="{386F3935-93C4-4BCD-93E2-E3B085C9AB24}">
+                <p16:designElem xmlns:p16="http://schemas.microsoft.com/office/powerpoint/2015/main" val="1"/>
+              </p:ext>
+            </p:extLst>
+          </p:nvPr>
+        </p:nvSpPr>
+        <p:spPr>
+          <a:xfrm>
+            <a:off x="6405008" y="4157447"/>
+            <a:ext cx="2104750" cy="2312282"/>
+          </a:xfrm>
+          <a:prstGeom prst="rect">
+            <a:avLst/>
+          </a:prstGeom>
+          <a:solidFill>
+            <a:schemeClr val="accent1">
+              <a:lumMod val="75000"/>
+              <a:alpha val="60000"/>
+            </a:schemeClr>
+          </a:solidFill>
+          <a:ln>
+            <a:noFill/>
+          </a:ln>
+        </p:spPr>
+        <p:style>
+          <a:lnRef idx="2">
+            <a:schemeClr val="accent1">
+              <a:shade val="50000"/>
+            </a:schemeClr>
+          </a:lnRef>
+          <a:fillRef idx="1">
+            <a:schemeClr val="accent1"/>
+          </a:fillRef>
+          <a:effectRef idx="0">
+            <a:schemeClr val="accent1"/>
+          </a:effectRef>
+          <a:fontRef idx="minor">
+            <a:schemeClr val="lt1"/>
+          </a:fontRef>
+        </p:style>
+        <p:txBody>
+          <a:bodyPr rtlCol="0" anchor="ctr"/>
+          <a:lstStyle/>
+          <a:p>
+            <a:pPr algn="ctr"/>
+            <a:endParaRPr lang="en-US"/>
+          </a:p>
+        </p:txBody>
+      </p:sp>
+      <p:pic>
+        <p:nvPicPr>
+          <p:cNvPr id="6" name="Picture 5" descr="A close up of a map&#10;&#10;Description generated with very high confidence"/>
+          <p:cNvPicPr>
+            <a:picLocks noChangeAspect="1"/>
+          </p:cNvPicPr>
+          <p:nvPr/>
+        </p:nvPicPr>
+        <p:blipFill>
+          <a:blip r:embed="rId3"/>
+          <a:stretch>
+            <a:fillRect/>
+          </a:stretch>
+        </p:blipFill>
+        <p:spPr>
+          <a:xfrm>
+            <a:off x="9448036" y="4321464"/>
+            <a:ext cx="1651886" cy="1984248"/>
+          </a:xfrm>
+          <a:prstGeom prst="rect">
+            <a:avLst/>
+          </a:prstGeom>
+        </p:spPr>
+      </p:pic>
+      <p:sp>
+        <p:nvSpPr>
+          <p:cNvPr id="23" name="Rectangle 22"/>
+          <p:cNvSpPr>
+            <a:spLocks noGrp="1" noRot="1" noChangeAspect="1" noMove="1" noResize="1" noEditPoints="1" noAdjustHandles="1" noChangeArrowheads="1" noChangeShapeType="1" noTextEdit="1"/>
+          </p:cNvSpPr>
+          <p:nvPr>
+            <p:extLst>
+              <p:ext uri="{386F3935-93C4-4BCD-93E2-E3B085C9AB24}">
+                <p16:designElem xmlns:p16="http://schemas.microsoft.com/office/powerpoint/2015/main" val="1"/>
+              </p:ext>
+            </p:extLst>
+          </p:nvPr>
+        </p:nvSpPr>
+        <p:spPr>
+          <a:xfrm>
+            <a:off x="9862872" y="1665817"/>
+            <a:ext cx="2014462" cy="2318149"/>
+          </a:xfrm>
+          <a:prstGeom prst="rect">
+            <a:avLst/>
+          </a:prstGeom>
+          <a:solidFill>
+            <a:srgbClr val="FFFFFF"/>
+          </a:solidFill>
+          <a:ln>
+            <a:noFill/>
+          </a:ln>
+        </p:spPr>
+        <p:style>
+          <a:lnRef idx="2">
+            <a:schemeClr val="accent1">
+              <a:shade val="50000"/>
+            </a:schemeClr>
+          </a:lnRef>
+          <a:fillRef idx="1">
+            <a:schemeClr val="accent1"/>
+          </a:fillRef>
+          <a:effectRef idx="0">
+            <a:schemeClr val="accent1"/>
+          </a:effectRef>
+          <a:fontRef idx="minor">
+            <a:schemeClr val="lt1"/>
+          </a:fontRef>
+        </p:style>
+        <p:txBody>
+          <a:bodyPr rtlCol="0" anchor="ctr"/>
+          <a:lstStyle/>
+          <a:p>
+            <a:pPr algn="ctr"/>
+            <a:endParaRPr lang="en-US"/>
+          </a:p>
+        </p:txBody>
+      </p:sp>
+      <p:sp>
+        <p:nvSpPr>
+          <p:cNvPr id="29" name="Rectangle 24"/>
+          <p:cNvSpPr>
+            <a:spLocks noGrp="1" noRot="1" noChangeAspect="1" noMove="1" noResize="1" noEditPoints="1" noAdjustHandles="1" noChangeArrowheads="1" noChangeShapeType="1" noTextEdit="1"/>
+          </p:cNvSpPr>
+          <p:nvPr>
+            <p:extLst>
+              <p:ext uri="{386F3935-93C4-4BCD-93E2-E3B085C9AB24}">
+                <p16:designElem xmlns:p16="http://schemas.microsoft.com/office/powerpoint/2015/main" val="1"/>
+              </p:ext>
+            </p:extLst>
+          </p:nvPr>
+        </p:nvSpPr>
+        <p:spPr>
+          <a:xfrm>
+            <a:off x="9848513" y="311970"/>
+            <a:ext cx="2028821" cy="1180366"/>
+          </a:xfrm>
+          <a:prstGeom prst="rect">
+            <a:avLst/>
+          </a:prstGeom>
+          <a:solidFill>
+            <a:schemeClr val="accent1">
+              <a:lumMod val="60000"/>
+              <a:lumOff val="40000"/>
+              <a:alpha val="60000"/>
+            </a:schemeClr>
+          </a:solidFill>
+          <a:ln>
+            <a:noFill/>
+          </a:ln>
+        </p:spPr>
+        <p:style>
+          <a:lnRef idx="2">
+            <a:schemeClr val="accent1">
+              <a:shade val="50000"/>
+            </a:schemeClr>
+          </a:lnRef>
+          <a:fillRef idx="1">
+            <a:schemeClr val="accent1"/>
+          </a:fillRef>
+          <a:effectRef idx="0">
+            <a:schemeClr val="accent1"/>
+          </a:effectRef>
+          <a:fontRef idx="minor">
+            <a:schemeClr val="lt1"/>
+          </a:fontRef>
+        </p:style>
+        <p:txBody>
+          <a:bodyPr rtlCol="0" anchor="ctr"/>
+          <a:lstStyle/>
+          <a:p>
+            <a:pPr algn="ctr"/>
+            <a:endParaRPr lang="en-US"/>
+          </a:p>
+        </p:txBody>
+      </p:sp>
+      <p:pic>
+        <p:nvPicPr>
+          <p:cNvPr id="9" name="Content Placeholder 3" descr="A close up of a map&#10;&#10;Description generated with high confidence"/>
+          <p:cNvPicPr>
+            <a:picLocks noChangeAspect="1"/>
+          </p:cNvPicPr>
+          <p:nvPr/>
+        </p:nvPicPr>
+        <p:blipFill>
+          <a:blip r:embed="rId4"/>
+          <a:stretch>
+            <a:fillRect/>
+          </a:stretch>
+        </p:blipFill>
+        <p:spPr>
+          <a:xfrm>
+            <a:off x="10057876" y="1804306"/>
+            <a:ext cx="1603771" cy="2017323"/>
+          </a:xfrm>
+          <a:prstGeom prst="rect">
+            <a:avLst/>
+          </a:prstGeom>
+        </p:spPr>
+      </p:pic>
+      <p:sp>
+        <p:nvSpPr>
+          <p:cNvPr id="11" name="Content Placeholder 10"/>
           <p:cNvSpPr>
             <a:spLocks noGrp="1"/>
           </p:cNvSpPr>
@@ -21655,8 +22036,8 @@
         </p:nvSpPr>
         <p:spPr>
           <a:xfrm>
-            <a:off x="1024128" y="5486400"/>
-            <a:ext cx="10226464" cy="731520"/>
+            <a:off x="1024129" y="2286000"/>
+            <a:ext cx="4656236" cy="4023360"/>
           </a:xfrm>
         </p:spPr>
         <p:txBody>
@@ -21665,14 +22046,46 @@
           </a:bodyPr>
           <a:lstStyle/>
           <a:p>
-            <a:endParaRPr lang="en-US" sz="1600" dirty="0"/>
+            <a:r>
+              <a:rPr lang="en-US" sz="2000" dirty="0"/>
+              <a:t>Graphed coordinate traversal.</a:t>
+            </a:r>
+          </a:p>
+        </p:txBody>
+      </p:sp>
+      <p:sp>
+        <p:nvSpPr>
+          <p:cNvPr id="20" name="Title 1"/>
+          <p:cNvSpPr>
+            <a:spLocks noGrp="1"/>
+          </p:cNvSpPr>
+          <p:nvPr>
+            <p:ph type="title"/>
+          </p:nvPr>
+        </p:nvSpPr>
+        <p:spPr>
+          <a:xfrm>
+            <a:off x="1024128" y="585216"/>
+            <a:ext cx="3133581" cy="1499616"/>
+          </a:xfrm>
+        </p:spPr>
+        <p:txBody>
+          <a:bodyPr>
+            <a:normAutofit/>
+          </a:bodyPr>
+          <a:lstStyle/>
+          <a:p>
+            <a:r>
+              <a:rPr lang="en-US" sz="4000" dirty="0"/>
+              <a:t>Test 1 – 1,2,3</a:t>
+            </a:r>
           </a:p>
         </p:txBody>
       </p:sp>
     </p:spTree>
     <p:extLst>
       <p:ext uri="{BB962C8B-B14F-4D97-AF65-F5344CB8AC3E}">
-        <p14:creationId xmlns:p14="http://schemas.microsoft.com/office/powerpoint/2010/main" val="4267152764"/>
+        <p14:creationId xmlns:p14="http://schemas.microsoft.com/office/powerpoint/2010/main" val="1395379059"/>
       </p:ext>
     </p:extLst>
   </p:cSld>
@@ -21701,13 +22114,11 @@
       </p:grpSpPr>
       <p:pic>
         <p:nvPicPr>
-          <p:cNvPr id="2" name="Content Placeholder 1"/>
+          <p:cNvPr id="21" name="Content Placeholder 3"/>
           <p:cNvPicPr>
-            <a:picLocks noGrp="1" noChangeAspect="1"/>
+            <a:picLocks noChangeAspect="1"/>
           </p:cNvPicPr>
-          <p:nvPr>
-            <p:ph idx="1"/>
-          </p:nvPr>
+          <p:nvPr/>
         </p:nvPicPr>
         <p:blipFill>
           <a:blip r:embed="rId2"/>
@@ -21717,15 +22128,76 @@
         </p:blipFill>
         <p:spPr>
           <a:xfrm>
-            <a:off x="877659" y="1435261"/>
-            <a:ext cx="10290482" cy="2859052"/>
+            <a:off x="4642342" y="2513481"/>
+            <a:ext cx="6909577" cy="1831037"/>
+          </a:xfrm>
+          <a:prstGeom prst="rect">
+            <a:avLst/>
+          </a:prstGeom>
+        </p:spPr>
+      </p:pic>
+      <p:sp>
+        <p:nvSpPr>
+          <p:cNvPr id="22" name="Content Placeholder 8"/>
+          <p:cNvSpPr>
+            <a:spLocks noGrp="1"/>
+          </p:cNvSpPr>
+          <p:nvPr>
+            <p:ph idx="1"/>
+          </p:nvPr>
+        </p:nvSpPr>
+        <p:spPr>
+          <a:xfrm>
+            <a:off x="1024128" y="2286000"/>
+            <a:ext cx="3133580" cy="3931920"/>
           </a:xfrm>
         </p:spPr>
-      </p:pic>
+        <p:txBody>
+          <a:bodyPr>
+            <a:normAutofit/>
+          </a:bodyPr>
+          <a:lstStyle/>
+          <a:p>
+            <a:r>
+              <a:rPr lang="en-US" sz="1600" dirty="0"/>
+              <a:t>Waypoint system</a:t>
+            </a:r>
+          </a:p>
+        </p:txBody>
+      </p:sp>
+      <p:sp>
+        <p:nvSpPr>
+          <p:cNvPr id="4" name="Title 1"/>
+          <p:cNvSpPr>
+            <a:spLocks noGrp="1"/>
+          </p:cNvSpPr>
+          <p:nvPr>
+            <p:ph type="title"/>
+          </p:nvPr>
+        </p:nvSpPr>
+        <p:spPr>
+          <a:xfrm>
+            <a:off x="1024128" y="585216"/>
+            <a:ext cx="3133581" cy="1499616"/>
+          </a:xfrm>
+        </p:spPr>
+        <p:txBody>
+          <a:bodyPr>
+            <a:normAutofit/>
+          </a:bodyPr>
+          <a:lstStyle/>
+          <a:p>
+            <a:r>
+              <a:rPr lang="en-US" sz="4000" dirty="0"/>
+              <a:t>Test 2 – 1,2,3</a:t>
+            </a:r>
+          </a:p>
+        </p:txBody>
+      </p:sp>
     </p:spTree>
     <p:extLst>
       <p:ext uri="{BB962C8B-B14F-4D97-AF65-F5344CB8AC3E}">
-        <p14:creationId xmlns:p14="http://schemas.microsoft.com/office/powerpoint/2010/main" val="3255947329"/>
+        <p14:creationId xmlns:p14="http://schemas.microsoft.com/office/powerpoint/2010/main" val="4267152764"/>
       </p:ext>
     </p:extLst>
   </p:cSld>
@@ -21754,13 +22226,11 @@
       </p:grpSpPr>
       <p:pic>
         <p:nvPicPr>
-          <p:cNvPr id="4" name="Content Placeholder 3"/>
+          <p:cNvPr id="5" name="Content Placeholder 1" descr="A picture containing electronics&#10;&#10;Description generated with high confidence"/>
           <p:cNvPicPr>
-            <a:picLocks noGrp="1" noChangeAspect="1"/>
+            <a:picLocks noChangeAspect="1"/>
           </p:cNvPicPr>
-          <p:nvPr>
-            <p:ph idx="1"/>
-          </p:nvPr>
+          <p:nvPr/>
         </p:nvPicPr>
         <p:blipFill>
           <a:blip r:embed="rId2"/>
@@ -21770,15 +22240,76 @@
         </p:blipFill>
         <p:spPr>
           <a:xfrm>
-            <a:off x="2703795" y="304601"/>
-            <a:ext cx="7204134" cy="6184682"/>
+            <a:off x="4642342" y="2470296"/>
+            <a:ext cx="6909577" cy="1917408"/>
+          </a:xfrm>
+          <a:prstGeom prst="rect">
+            <a:avLst/>
+          </a:prstGeom>
+        </p:spPr>
+      </p:pic>
+      <p:sp>
+        <p:nvSpPr>
+          <p:cNvPr id="7" name="Content Placeholder 6"/>
+          <p:cNvSpPr>
+            <a:spLocks noGrp="1"/>
+          </p:cNvSpPr>
+          <p:nvPr>
+            <p:ph idx="1"/>
+          </p:nvPr>
+        </p:nvSpPr>
+        <p:spPr>
+          <a:xfrm>
+            <a:off x="1024128" y="2286000"/>
+            <a:ext cx="3133580" cy="3931920"/>
           </a:xfrm>
         </p:spPr>
-      </p:pic>
+        <p:txBody>
+          <a:bodyPr>
+            <a:normAutofit/>
+          </a:bodyPr>
+          <a:lstStyle/>
+          <a:p>
+            <a:r>
+              <a:rPr lang="en-US" sz="1600" dirty="0"/>
+              <a:t>Path finding simple obstacle.</a:t>
+            </a:r>
+          </a:p>
+        </p:txBody>
+      </p:sp>
+      <p:sp>
+        <p:nvSpPr>
+          <p:cNvPr id="6" name="Title 1"/>
+          <p:cNvSpPr>
+            <a:spLocks noGrp="1"/>
+          </p:cNvSpPr>
+          <p:nvPr>
+            <p:ph type="title"/>
+          </p:nvPr>
+        </p:nvSpPr>
+        <p:spPr>
+          <a:xfrm>
+            <a:off x="1024128" y="585216"/>
+            <a:ext cx="3133581" cy="1499616"/>
+          </a:xfrm>
+        </p:spPr>
+        <p:txBody>
+          <a:bodyPr>
+            <a:normAutofit/>
+          </a:bodyPr>
+          <a:lstStyle/>
+          <a:p>
+            <a:r>
+              <a:rPr lang="en-US" sz="4000" dirty="0"/>
+              <a:t>Test 3 – A 1,2</a:t>
+            </a:r>
+          </a:p>
+        </p:txBody>
+      </p:sp>
     </p:spTree>
     <p:extLst>
       <p:ext uri="{BB962C8B-B14F-4D97-AF65-F5344CB8AC3E}">
-        <p14:creationId xmlns:p14="http://schemas.microsoft.com/office/powerpoint/2010/main" val="3277866876"/>
+        <p14:creationId xmlns:p14="http://schemas.microsoft.com/office/powerpoint/2010/main" val="3255947329"/>
       </p:ext>
     </p:extLst>
   </p:cSld>
@@ -21807,13 +22338,11 @@
       </p:grpSpPr>
       <p:pic>
         <p:nvPicPr>
-          <p:cNvPr id="4" name="Content Placeholder 3"/>
+          <p:cNvPr id="7" name="Content Placeholder 3" descr="A picture containing electronics&#10;&#10;Description generated with high confidence"/>
           <p:cNvPicPr>
-            <a:picLocks noGrp="1" noChangeAspect="1"/>
+            <a:picLocks noChangeAspect="1"/>
           </p:cNvPicPr>
-          <p:nvPr>
-            <p:ph idx="1"/>
-          </p:nvPr>
+          <p:nvPr/>
         </p:nvPicPr>
         <p:blipFill>
           <a:blip r:embed="rId2"/>
@@ -21823,63 +22352,76 @@
         </p:blipFill>
         <p:spPr>
           <a:xfrm>
-            <a:off x="4293897" y="1450681"/>
-            <a:ext cx="3368143" cy="4232802"/>
-          </a:xfrm>
-        </p:spPr>
-      </p:pic>
-      <p:pic>
-        <p:nvPicPr>
-          <p:cNvPr id="5" name="Picture 4"/>
-          <p:cNvPicPr>
-            <a:picLocks noChangeAspect="1"/>
-          </p:cNvPicPr>
-          <p:nvPr/>
-        </p:nvPicPr>
-        <p:blipFill>
-          <a:blip r:embed="rId3"/>
-          <a:stretch>
-            <a:fillRect/>
-          </a:stretch>
-        </p:blipFill>
-        <p:spPr>
-          <a:xfrm>
-            <a:off x="8044742" y="1450681"/>
-            <a:ext cx="3398856" cy="4174142"/>
+            <a:off x="4844745" y="640080"/>
+            <a:ext cx="6504770" cy="5577840"/>
           </a:xfrm>
           <a:prstGeom prst="rect">
             <a:avLst/>
           </a:prstGeom>
         </p:spPr>
       </p:pic>
-      <p:pic>
-        <p:nvPicPr>
-          <p:cNvPr id="6" name="Picture 5"/>
-          <p:cNvPicPr>
-            <a:picLocks noChangeAspect="1"/>
-          </p:cNvPicPr>
-          <p:nvPr/>
-        </p:nvPicPr>
-        <p:blipFill>
-          <a:blip r:embed="rId4"/>
-          <a:stretch>
-            <a:fillRect/>
-          </a:stretch>
-        </p:blipFill>
+      <p:sp>
+        <p:nvSpPr>
+          <p:cNvPr id="9" name="Content Placeholder 8"/>
+          <p:cNvSpPr>
+            <a:spLocks noGrp="1"/>
+          </p:cNvSpPr>
+          <p:nvPr>
+            <p:ph idx="1"/>
+          </p:nvPr>
+        </p:nvSpPr>
         <p:spPr>
           <a:xfrm>
-            <a:off x="474264" y="1450681"/>
-            <a:ext cx="3269770" cy="3931073"/>
+            <a:off x="1024128" y="2286000"/>
+            <a:ext cx="3133580" cy="3931920"/>
           </a:xfrm>
-          <a:prstGeom prst="rect">
-            <a:avLst/>
-          </a:prstGeom>
         </p:spPr>
-      </p:pic>
+        <p:txBody>
+          <a:bodyPr>
+            <a:normAutofit/>
+          </a:bodyPr>
+          <a:lstStyle/>
+          <a:p>
+            <a:r>
+              <a:rPr lang="en-US" sz="1600" dirty="0"/>
+              <a:t>Path finding advanced obstacle avoidance.</a:t>
+            </a:r>
+          </a:p>
+        </p:txBody>
+      </p:sp>
+      <p:sp>
+        <p:nvSpPr>
+          <p:cNvPr id="5" name="Title 1"/>
+          <p:cNvSpPr>
+            <a:spLocks noGrp="1"/>
+          </p:cNvSpPr>
+          <p:nvPr>
+            <p:ph type="title"/>
+          </p:nvPr>
+        </p:nvSpPr>
+        <p:spPr>
+          <a:xfrm>
+            <a:off x="1024128" y="585216"/>
+            <a:ext cx="3133581" cy="1499616"/>
+          </a:xfrm>
+        </p:spPr>
+        <p:txBody>
+          <a:bodyPr>
+            <a:normAutofit/>
+          </a:bodyPr>
+          <a:lstStyle/>
+          <a:p>
+            <a:r>
+              <a:rPr lang="en-US" sz="4000" dirty="0"/>
+              <a:t>Test 3 – b 1,2</a:t>
+            </a:r>
+          </a:p>
+        </p:txBody>
+      </p:sp>
     </p:spTree>
     <p:extLst>
       <p:ext uri="{BB962C8B-B14F-4D97-AF65-F5344CB8AC3E}">
-        <p14:creationId xmlns:p14="http://schemas.microsoft.com/office/powerpoint/2010/main" val="1395379059"/>
+        <p14:creationId xmlns:p14="http://schemas.microsoft.com/office/powerpoint/2010/main" val="3277866876"/>
       </p:ext>
     </p:extLst>
   </p:cSld>
@@ -21921,7 +22463,10 @@
           <a:bodyPr/>
           <a:lstStyle/>
           <a:p>
-            <a:endParaRPr lang="en-US"/>
+            <a:r>
+              <a:rPr lang="en-US" dirty="0"/>
+              <a:t>Conclusion &amp; Future Work</a:t>
+            </a:r>
           </a:p>
         </p:txBody>
       </p:sp>
@@ -21940,7 +22485,72 @@
           <a:bodyPr/>
           <a:lstStyle/>
           <a:p>
-            <a:endParaRPr lang="en-US"/>
+            <a:pPr>
+              <a:buFont typeface="Arial" panose="020B0604020202020204" pitchFamily="34" charset="0"/>
+              <a:buChar char="•"/>
+            </a:pPr>
+            <a:r>
+              <a:rPr lang="en-US" dirty="0"/>
+              <a:t> Robots responds and behave according to instructions</a:t>
+            </a:r>
+          </a:p>
+          <a:p>
+            <a:pPr>
+              <a:buFont typeface="Arial" panose="020B0604020202020204" pitchFamily="34" charset="0"/>
+              <a:buChar char="•"/>
+            </a:pPr>
+            <a:r>
+              <a:rPr lang="en-US" dirty="0"/>
+              <a:t> Robots successfully use in game AI logic to navigate</a:t>
+            </a:r>
+          </a:p>
+          <a:p>
+            <a:pPr>
+              <a:buFont typeface="Arial" panose="020B0604020202020204" pitchFamily="34" charset="0"/>
+              <a:buChar char="•"/>
+            </a:pPr>
+            <a:r>
+              <a:rPr lang="en-US" dirty="0"/>
+              <a:t> Need to improve the measurement system for environment setup in game</a:t>
+            </a:r>
+          </a:p>
+          <a:p>
+            <a:pPr>
+              <a:buFont typeface="Arial" panose="020B0604020202020204" pitchFamily="34" charset="0"/>
+              <a:buChar char="•"/>
+            </a:pPr>
+            <a:r>
+              <a:rPr lang="en-US" dirty="0"/>
+              <a:t> Could use 3D scanning technology developed for VR teleportation project in conjunction</a:t>
+            </a:r>
+          </a:p>
+          <a:p>
+            <a:pPr>
+              <a:buFont typeface="Arial" panose="020B0604020202020204" pitchFamily="34" charset="0"/>
+              <a:buChar char="•"/>
+            </a:pPr>
+            <a:r>
+              <a:rPr lang="en-US" dirty="0"/>
+              <a:t> Could improve to using more complex test cases</a:t>
+            </a:r>
+          </a:p>
+          <a:p>
+            <a:pPr>
+              <a:buFont typeface="Arial" panose="020B0604020202020204" pitchFamily="34" charset="0"/>
+              <a:buChar char="•"/>
+            </a:pPr>
+            <a:r>
+              <a:rPr lang="en-US" dirty="0"/>
+              <a:t> Use Inverse kinematics system for jointed robots, or robots utilizing all </a:t>
+            </a:r>
+            <a:r>
+              <a:rPr lang="en-US" dirty="0" err="1"/>
+              <a:t>x,y,z</a:t>
+            </a:r>
+            <a:r>
+              <a:rPr lang="en-US" dirty="0"/>
+              <a:t> coordinates.</a:t>
+            </a:r>
           </a:p>
         </p:txBody>
       </p:sp>
@@ -21948,6 +22558,80 @@
     <p:extLst>
       <p:ext uri="{BB962C8B-B14F-4D97-AF65-F5344CB8AC3E}">
         <p14:creationId xmlns:p14="http://schemas.microsoft.com/office/powerpoint/2010/main" val="1008638251"/>
+      </p:ext>
+    </p:extLst>
+  </p:cSld>
+  <p:clrMapOvr>
+    <a:masterClrMapping/>
+  </p:clrMapOvr>
+</p:sld>
+</file>
+
+<file path=ppt/slides/slide19.xml><?xml version="1.0" encoding="utf-8"?>
+<p:sld xmlns:a="http://schemas.openxmlformats.org/drawingml/2006/main" xmlns:r="http://schemas.openxmlformats.org/officeDocument/2006/relationships" xmlns:p="http://schemas.openxmlformats.org/presentationml/2006/main">
+  <p:cSld>
+    <p:spTree>
+      <p:nvGrpSpPr>
+        <p:cNvPr id="1" name=""/>
+        <p:cNvGrpSpPr/>
+        <p:nvPr/>
+      </p:nvGrpSpPr>
+      <p:grpSpPr>
+        <a:xfrm>
+          <a:off x="0" y="0"/>
+          <a:ext cx="0" cy="0"/>
+          <a:chOff x="0" y="0"/>
+          <a:chExt cx="0" cy="0"/>
+        </a:xfrm>
+      </p:grpSpPr>
+      <p:sp>
+        <p:nvSpPr>
+          <p:cNvPr id="2" name="Title 1"/>
+          <p:cNvSpPr>
+            <a:spLocks noGrp="1"/>
+          </p:cNvSpPr>
+          <p:nvPr>
+            <p:ph type="title"/>
+          </p:nvPr>
+        </p:nvSpPr>
+        <p:spPr/>
+        <p:txBody>
+          <a:bodyPr/>
+          <a:lstStyle/>
+          <a:p>
+            <a:r>
+              <a:rPr lang="en-US" dirty="0"/>
+              <a:t>Thank you</a:t>
+            </a:r>
+          </a:p>
+        </p:txBody>
+      </p:sp>
+      <p:sp>
+        <p:nvSpPr>
+          <p:cNvPr id="3" name="Text Placeholder 2"/>
+          <p:cNvSpPr>
+            <a:spLocks noGrp="1"/>
+          </p:cNvSpPr>
+          <p:nvPr>
+            <p:ph type="body" idx="1"/>
+          </p:nvPr>
+        </p:nvSpPr>
+        <p:spPr/>
+        <p:txBody>
+          <a:bodyPr/>
+          <a:lstStyle/>
+          <a:p>
+            <a:r>
+              <a:rPr lang="en-US" dirty="0"/>
+              <a:t>Questions?</a:t>
+            </a:r>
+          </a:p>
+        </p:txBody>
+      </p:sp>
+    </p:spTree>
+    <p:extLst>
+      <p:ext uri="{BB962C8B-B14F-4D97-AF65-F5344CB8AC3E}">
+        <p14:creationId xmlns:p14="http://schemas.microsoft.com/office/powerpoint/2010/main" val="896400278"/>
       </p:ext>
     </p:extLst>
   </p:cSld>
